--- a/docs/resources/slides/Survey of Calculus.pptx
+++ b/docs/resources/slides/Survey of Calculus.pptx
@@ -20,23 +20,24 @@
     <p:sldId id="265" r:id="rId15"/>
     <p:sldId id="266" r:id="rId16"/>
     <p:sldId id="267" r:id="rId17"/>
+    <p:sldId id="268" r:id="rId18"/>
   </p:sldIdLst>
   <p:sldSz cy="5143500" cx="9144000"/>
   <p:notesSz cx="6858000" cy="9144000"/>
   <p:embeddedFontLst>
     <p:embeddedFont>
       <p:font typeface="Economica"/>
-      <p:regular r:id="rId18"/>
-      <p:bold r:id="rId19"/>
-      <p:italic r:id="rId20"/>
-      <p:boldItalic r:id="rId21"/>
+      <p:regular r:id="rId19"/>
+      <p:bold r:id="rId20"/>
+      <p:italic r:id="rId21"/>
+      <p:boldItalic r:id="rId22"/>
     </p:embeddedFont>
     <p:embeddedFont>
       <p:font typeface="Open Sans"/>
-      <p:regular r:id="rId22"/>
-      <p:bold r:id="rId23"/>
-      <p:italic r:id="rId24"/>
-      <p:boldItalic r:id="rId25"/>
+      <p:regular r:id="rId23"/>
+      <p:bold r:id="rId24"/>
+      <p:italic r:id="rId25"/>
+      <p:boldItalic r:id="rId26"/>
     </p:embeddedFont>
   </p:embeddedFontLst>
   <p:defaultTextStyle>
@@ -284,7 +285,7 @@
       </p15:sldGuideLst>
     </p:ext>
     <p:ext uri="GoogleSlidesCustomDataVersion2">
-      <go:slidesCustomData xmlns:go="http://customooxmlschemas.google.com/" r:id="rId26" roundtripDataSignature="AMtx7miBMwram7iXLVIkoRBQhdI4DzjWNA=="/>
+      <go:slidesCustomData xmlns:go="http://customooxmlschemas.google.com/" r:id="rId27" roundtripDataSignature="AMtx7miKgvwnCd2YKSDQ1rayXUAl4Ce0iA=="/>
     </p:ext>
   </p:extLst>
 </p:presentation>
@@ -973,7 +974,7 @@
   <p:cSld>
     <p:spTree>
       <p:nvGrpSpPr>
-        <p:cNvPr id="125" name="Shape 125"/>
+        <p:cNvPr id="133" name="Shape 133"/>
         <p:cNvGrpSpPr/>
         <p:nvPr/>
       </p:nvGrpSpPr>
@@ -987,7 +988,7 @@
       </p:grpSpPr>
       <p:sp>
         <p:nvSpPr>
-          <p:cNvPr id="126" name="Google Shape;126;p9:notes"/>
+          <p:cNvPr id="134" name="Google Shape;134;g25850bf5d43_0_94:notes"/>
           <p:cNvSpPr/>
           <p:nvPr>
             <p:ph idx="2" type="sldImg"/>
@@ -1018,21 +1019,11 @@
               </a:path>
             </a:pathLst>
           </a:custGeom>
-          <a:noFill/>
-          <a:ln cap="flat" cmpd="sng" w="9525">
-            <a:solidFill>
-              <a:srgbClr val="000000"/>
-            </a:solidFill>
-            <a:prstDash val="solid"/>
-            <a:round/>
-            <a:headEnd len="sm" w="sm" type="none"/>
-            <a:tailEnd len="sm" w="sm" type="none"/>
-          </a:ln>
         </p:spPr>
       </p:sp>
       <p:sp>
         <p:nvSpPr>
-          <p:cNvPr id="127" name="Google Shape;127;p9:notes"/>
+          <p:cNvPr id="135" name="Google Shape;135;g25850bf5d43_0_94:notes"/>
           <p:cNvSpPr txBox="1"/>
           <p:nvPr>
             <p:ph idx="1" type="body"/>
@@ -1046,10 +1037,6 @@
           <a:prstGeom prst="rect">
             <a:avLst/>
           </a:prstGeom>
-          <a:noFill/>
-          <a:ln>
-            <a:noFill/>
-          </a:ln>
         </p:spPr>
         <p:txBody>
           <a:bodyPr anchorCtr="0" anchor="t" bIns="91425" lIns="91425" spcFirstLastPara="1" rIns="91425" wrap="square" tIns="91425">
@@ -1058,16 +1045,12 @@
           <a:lstStyle/>
           <a:p>
             <a:pPr indent="0" lvl="0" marL="0" rtl="0" algn="l">
-              <a:lnSpc>
-                <a:spcPct val="100000"/>
-              </a:lnSpc>
-              <a:spcBef>
-                <a:spcPts val="0"/>
-              </a:spcBef>
-              <a:spcAft>
-                <a:spcPts val="0"/>
-              </a:spcAft>
-              <a:buSzPts val="1100"/>
+              <a:spcBef>
+                <a:spcPts val="0"/>
+              </a:spcBef>
+              <a:spcAft>
+                <a:spcPts val="0"/>
+              </a:spcAft>
               <a:buNone/>
             </a:pPr>
             <a:r>
@@ -1090,7 +1073,7 @@
   <p:cSld>
     <p:spTree>
       <p:nvGrpSpPr>
-        <p:cNvPr id="133" name="Shape 133"/>
+        <p:cNvPr id="138" name="Shape 138"/>
         <p:cNvGrpSpPr/>
         <p:nvPr/>
       </p:nvGrpSpPr>
@@ -1104,7 +1087,7 @@
       </p:grpSpPr>
       <p:sp>
         <p:nvSpPr>
-          <p:cNvPr id="134" name="Google Shape;134;p10:notes"/>
+          <p:cNvPr id="139" name="Google Shape;139;g25850bf5d43_0_76:notes"/>
           <p:cNvSpPr/>
           <p:nvPr>
             <p:ph idx="2" type="sldImg"/>
@@ -1135,21 +1118,11 @@
               </a:path>
             </a:pathLst>
           </a:custGeom>
-          <a:noFill/>
-          <a:ln cap="flat" cmpd="sng" w="9525">
-            <a:solidFill>
-              <a:srgbClr val="000000"/>
-            </a:solidFill>
-            <a:prstDash val="solid"/>
-            <a:round/>
-            <a:headEnd len="sm" w="sm" type="none"/>
-            <a:tailEnd len="sm" w="sm" type="none"/>
-          </a:ln>
         </p:spPr>
       </p:sp>
       <p:sp>
         <p:nvSpPr>
-          <p:cNvPr id="135" name="Google Shape;135;p10:notes"/>
+          <p:cNvPr id="140" name="Google Shape;140;g25850bf5d43_0_76:notes"/>
           <p:cNvSpPr txBox="1"/>
           <p:nvPr>
             <p:ph idx="1" type="body"/>
@@ -1163,10 +1136,6 @@
           <a:prstGeom prst="rect">
             <a:avLst/>
           </a:prstGeom>
-          <a:noFill/>
-          <a:ln>
-            <a:noFill/>
-          </a:ln>
         </p:spPr>
         <p:txBody>
           <a:bodyPr anchorCtr="0" anchor="t" bIns="91425" lIns="91425" spcFirstLastPara="1" rIns="91425" wrap="square" tIns="91425">
@@ -1175,16 +1144,12 @@
           <a:lstStyle/>
           <a:p>
             <a:pPr indent="0" lvl="0" marL="0" rtl="0" algn="l">
-              <a:lnSpc>
-                <a:spcPct val="100000"/>
-              </a:lnSpc>
-              <a:spcBef>
-                <a:spcPts val="0"/>
-              </a:spcBef>
-              <a:spcAft>
-                <a:spcPts val="0"/>
-              </a:spcAft>
-              <a:buSzPts val="1100"/>
+              <a:spcBef>
+                <a:spcPts val="0"/>
+              </a:spcBef>
+              <a:spcAft>
+                <a:spcPts val="0"/>
+              </a:spcAft>
               <a:buNone/>
             </a:pPr>
             <a:r>
@@ -1207,7 +1172,7 @@
   <p:cSld>
     <p:spTree>
       <p:nvGrpSpPr>
-        <p:cNvPr id="145" name="Shape 145"/>
+        <p:cNvPr id="147" name="Shape 147"/>
         <p:cNvGrpSpPr/>
         <p:nvPr/>
       </p:nvGrpSpPr>
@@ -1221,7 +1186,7 @@
       </p:grpSpPr>
       <p:sp>
         <p:nvSpPr>
-          <p:cNvPr id="146" name="Google Shape;146;p11:notes"/>
+          <p:cNvPr id="148" name="Google Shape;148;g25850bf5d43_0_56:notes"/>
           <p:cNvSpPr/>
           <p:nvPr>
             <p:ph idx="2" type="sldImg"/>
@@ -1252,21 +1217,11 @@
               </a:path>
             </a:pathLst>
           </a:custGeom>
-          <a:noFill/>
-          <a:ln cap="flat" cmpd="sng" w="9525">
-            <a:solidFill>
-              <a:srgbClr val="000000"/>
-            </a:solidFill>
-            <a:prstDash val="solid"/>
-            <a:round/>
-            <a:headEnd len="sm" w="sm" type="none"/>
-            <a:tailEnd len="sm" w="sm" type="none"/>
-          </a:ln>
         </p:spPr>
       </p:sp>
       <p:sp>
         <p:nvSpPr>
-          <p:cNvPr id="147" name="Google Shape;147;p11:notes"/>
+          <p:cNvPr id="149" name="Google Shape;149;g25850bf5d43_0_56:notes"/>
           <p:cNvSpPr txBox="1"/>
           <p:nvPr>
             <p:ph idx="1" type="body"/>
@@ -1280,10 +1235,6 @@
           <a:prstGeom prst="rect">
             <a:avLst/>
           </a:prstGeom>
-          <a:noFill/>
-          <a:ln>
-            <a:noFill/>
-          </a:ln>
         </p:spPr>
         <p:txBody>
           <a:bodyPr anchorCtr="0" anchor="t" bIns="91425" lIns="91425" spcFirstLastPara="1" rIns="91425" wrap="square" tIns="91425">
@@ -1292,16 +1243,111 @@
           <a:lstStyle/>
           <a:p>
             <a:pPr indent="0" lvl="0" marL="0" rtl="0" algn="l">
-              <a:lnSpc>
-                <a:spcPct val="100000"/>
-              </a:lnSpc>
-              <a:spcBef>
-                <a:spcPts val="0"/>
-              </a:spcBef>
-              <a:spcAft>
-                <a:spcPts val="0"/>
-              </a:spcAft>
-              <a:buSzPts val="1100"/>
+              <a:spcBef>
+                <a:spcPts val="0"/>
+              </a:spcBef>
+              <a:spcAft>
+                <a:spcPts val="0"/>
+              </a:spcAft>
+              <a:buNone/>
+            </a:pPr>
+            <a:r>
+              <a:t/>
+            </a:r>
+            <a:endParaRPr/>
+          </a:p>
+        </p:txBody>
+      </p:sp>
+    </p:spTree>
+  </p:cSld>
+  <p:clrMapOvr>
+    <a:masterClrMapping/>
+  </p:clrMapOvr>
+</p:notes>
+</file>
+
+<file path=ppt/notesSlides/notesSlide13.xml><?xml version="1.0" encoding="utf-8"?>
+<p:notes xmlns:a="http://schemas.openxmlformats.org/drawingml/2006/main" xmlns:r="http://schemas.openxmlformats.org/officeDocument/2006/relationships" xmlns:mc="http://schemas.openxmlformats.org/markup-compatibility/2006" xmlns:mv="urn:schemas-microsoft-com:mac:vml" xmlns:p="http://schemas.openxmlformats.org/presentationml/2006/main" xmlns:c="http://schemas.openxmlformats.org/drawingml/2006/chart" xmlns:dgm="http://schemas.openxmlformats.org/drawingml/2006/diagram" xmlns:o="urn:schemas-microsoft-com:office:office" xmlns:v="urn:schemas-microsoft-com:vml" xmlns:pvml="urn:schemas-microsoft-com:office:powerpoint" xmlns:com="http://schemas.openxmlformats.org/drawingml/2006/compatibility" xmlns:p14="http://schemas.microsoft.com/office/powerpoint/2010/main" xmlns:p15="http://schemas.microsoft.com/office/powerpoint/2012/main" xmlns:ahyp="http://schemas.microsoft.com/office/drawing/2018/hyperlinkcolor" showMasterPhAnim="0" showMasterSp="0">
+  <p:cSld>
+    <p:spTree>
+      <p:nvGrpSpPr>
+        <p:cNvPr id="157" name="Shape 157"/>
+        <p:cNvGrpSpPr/>
+        <p:nvPr/>
+      </p:nvGrpSpPr>
+      <p:grpSpPr>
+        <a:xfrm>
+          <a:off x="0" y="0"/>
+          <a:ext cx="0" cy="0"/>
+          <a:chOff x="0" y="0"/>
+          <a:chExt cx="0" cy="0"/>
+        </a:xfrm>
+      </p:grpSpPr>
+      <p:sp>
+        <p:nvSpPr>
+          <p:cNvPr id="158" name="Google Shape;158;g25850bf5d43_0_50:notes"/>
+          <p:cNvSpPr/>
+          <p:nvPr>
+            <p:ph idx="2" type="sldImg"/>
+          </p:nvPr>
+        </p:nvSpPr>
+        <p:spPr>
+          <a:xfrm>
+            <a:off x="381300" y="685800"/>
+            <a:ext cx="6096000" cy="3429000"/>
+          </a:xfrm>
+          <a:custGeom>
+            <a:rect b="b" l="l" r="r" t="t"/>
+            <a:pathLst>
+              <a:path extrusionOk="0" h="120000" w="120000">
+                <a:moveTo>
+                  <a:pt x="0" y="0"/>
+                </a:moveTo>
+                <a:lnTo>
+                  <a:pt x="120000" y="0"/>
+                </a:lnTo>
+                <a:lnTo>
+                  <a:pt x="120000" y="120000"/>
+                </a:lnTo>
+                <a:lnTo>
+                  <a:pt x="0" y="120000"/>
+                </a:lnTo>
+                <a:close/>
+              </a:path>
+            </a:pathLst>
+          </a:custGeom>
+        </p:spPr>
+      </p:sp>
+      <p:sp>
+        <p:nvSpPr>
+          <p:cNvPr id="159" name="Google Shape;159;g25850bf5d43_0_50:notes"/>
+          <p:cNvSpPr txBox="1"/>
+          <p:nvPr>
+            <p:ph idx="1" type="body"/>
+          </p:nvPr>
+        </p:nvSpPr>
+        <p:spPr>
+          <a:xfrm>
+            <a:off x="685800" y="4343400"/>
+            <a:ext cx="5486400" cy="4114800"/>
+          </a:xfrm>
+          <a:prstGeom prst="rect">
+            <a:avLst/>
+          </a:prstGeom>
+        </p:spPr>
+        <p:txBody>
+          <a:bodyPr anchorCtr="0" anchor="t" bIns="91425" lIns="91425" spcFirstLastPara="1" rIns="91425" wrap="square" tIns="91425">
+            <a:noAutofit/>
+          </a:bodyPr>
+          <a:lstStyle/>
+          <a:p>
+            <a:pPr indent="0" lvl="0" marL="0" rtl="0" algn="l">
+              <a:spcBef>
+                <a:spcPts val="0"/>
+              </a:spcBef>
+              <a:spcAft>
+                <a:spcPts val="0"/>
+              </a:spcAft>
               <a:buNone/>
             </a:pPr>
             <a:r>
@@ -1792,7 +1838,7 @@
   <p:cSld>
     <p:spTree>
       <p:nvGrpSpPr>
-        <p:cNvPr id="98" name="Shape 98"/>
+        <p:cNvPr id="99" name="Shape 99"/>
         <p:cNvGrpSpPr/>
         <p:nvPr/>
       </p:nvGrpSpPr>
@@ -1806,7 +1852,7 @@
       </p:grpSpPr>
       <p:sp>
         <p:nvSpPr>
-          <p:cNvPr id="99" name="Google Shape;99;p6:notes"/>
+          <p:cNvPr id="100" name="Google Shape;100;p6:notes"/>
           <p:cNvSpPr/>
           <p:nvPr>
             <p:ph idx="2" type="sldImg"/>
@@ -1851,7 +1897,7 @@
       </p:sp>
       <p:sp>
         <p:nvSpPr>
-          <p:cNvPr id="100" name="Google Shape;100;p6:notes"/>
+          <p:cNvPr id="101" name="Google Shape;101;p6:notes"/>
           <p:cNvSpPr txBox="1"/>
           <p:nvPr>
             <p:ph idx="1" type="body"/>
@@ -1909,7 +1955,7 @@
   <p:cSld>
     <p:spTree>
       <p:nvGrpSpPr>
-        <p:cNvPr id="106" name="Shape 106"/>
+        <p:cNvPr id="107" name="Shape 107"/>
         <p:cNvGrpSpPr/>
         <p:nvPr/>
       </p:nvGrpSpPr>
@@ -1923,7 +1969,7 @@
       </p:grpSpPr>
       <p:sp>
         <p:nvSpPr>
-          <p:cNvPr id="107" name="Google Shape;107;p7:notes"/>
+          <p:cNvPr id="108" name="Google Shape;108;g25850bf5d43_0_0:notes"/>
           <p:cNvSpPr/>
           <p:nvPr>
             <p:ph idx="2" type="sldImg"/>
@@ -1968,7 +2014,7 @@
       </p:sp>
       <p:sp>
         <p:nvSpPr>
-          <p:cNvPr id="108" name="Google Shape;108;p7:notes"/>
+          <p:cNvPr id="109" name="Google Shape;109;g25850bf5d43_0_0:notes"/>
           <p:cNvSpPr txBox="1"/>
           <p:nvPr>
             <p:ph idx="1" type="body"/>
@@ -2026,7 +2072,7 @@
   <p:cSld>
     <p:spTree>
       <p:nvGrpSpPr>
-        <p:cNvPr id="113" name="Shape 113"/>
+        <p:cNvPr id="112" name="Shape 112"/>
         <p:cNvGrpSpPr/>
         <p:nvPr/>
       </p:nvGrpSpPr>
@@ -2040,7 +2086,7 @@
       </p:grpSpPr>
       <p:sp>
         <p:nvSpPr>
-          <p:cNvPr id="114" name="Google Shape;114;p2:notes"/>
+          <p:cNvPr id="113" name="Google Shape;113;g25850bf5d43_0_44:notes"/>
           <p:cNvSpPr/>
           <p:nvPr>
             <p:ph idx="2" type="sldImg"/>
@@ -2071,21 +2117,11 @@
               </a:path>
             </a:pathLst>
           </a:custGeom>
-          <a:noFill/>
-          <a:ln cap="flat" cmpd="sng" w="9525">
-            <a:solidFill>
-              <a:srgbClr val="000000"/>
-            </a:solidFill>
-            <a:prstDash val="solid"/>
-            <a:round/>
-            <a:headEnd len="sm" w="sm" type="none"/>
-            <a:tailEnd len="sm" w="sm" type="none"/>
-          </a:ln>
         </p:spPr>
       </p:sp>
       <p:sp>
         <p:nvSpPr>
-          <p:cNvPr id="115" name="Google Shape;115;p2:notes"/>
+          <p:cNvPr id="114" name="Google Shape;114;g25850bf5d43_0_44:notes"/>
           <p:cNvSpPr txBox="1"/>
           <p:nvPr>
             <p:ph idx="1" type="body"/>
@@ -2099,10 +2135,6 @@
           <a:prstGeom prst="rect">
             <a:avLst/>
           </a:prstGeom>
-          <a:noFill/>
-          <a:ln>
-            <a:noFill/>
-          </a:ln>
         </p:spPr>
         <p:txBody>
           <a:bodyPr anchorCtr="0" anchor="t" bIns="91425" lIns="91425" spcFirstLastPara="1" rIns="91425" wrap="square" tIns="91425">
@@ -2111,16 +2143,12 @@
           <a:lstStyle/>
           <a:p>
             <a:pPr indent="0" lvl="0" marL="0" rtl="0" algn="l">
-              <a:lnSpc>
-                <a:spcPct val="100000"/>
-              </a:lnSpc>
-              <a:spcBef>
-                <a:spcPts val="0"/>
-              </a:spcBef>
-              <a:spcAft>
-                <a:spcPts val="0"/>
-              </a:spcAft>
-              <a:buSzPts val="1100"/>
+              <a:spcBef>
+                <a:spcPts val="0"/>
+              </a:spcBef>
+              <a:spcAft>
+                <a:spcPts val="0"/>
+              </a:spcAft>
               <a:buNone/>
             </a:pPr>
             <a:r>
@@ -2143,7 +2171,7 @@
   <p:cSld>
     <p:spTree>
       <p:nvGrpSpPr>
-        <p:cNvPr id="118" name="Shape 118"/>
+        <p:cNvPr id="123" name="Shape 123"/>
         <p:cNvGrpSpPr/>
         <p:nvPr/>
       </p:nvGrpSpPr>
@@ -2157,7 +2185,7 @@
       </p:grpSpPr>
       <p:sp>
         <p:nvSpPr>
-          <p:cNvPr id="119" name="Google Shape;119;p8:notes"/>
+          <p:cNvPr id="124" name="Google Shape;124;g25850bf5d43_0_64:notes"/>
           <p:cNvSpPr/>
           <p:nvPr>
             <p:ph idx="2" type="sldImg"/>
@@ -2188,21 +2216,11 @@
               </a:path>
             </a:pathLst>
           </a:custGeom>
-          <a:noFill/>
-          <a:ln cap="flat" cmpd="sng" w="9525">
-            <a:solidFill>
-              <a:srgbClr val="000000"/>
-            </a:solidFill>
-            <a:prstDash val="solid"/>
-            <a:round/>
-            <a:headEnd len="sm" w="sm" type="none"/>
-            <a:tailEnd len="sm" w="sm" type="none"/>
-          </a:ln>
         </p:spPr>
       </p:sp>
       <p:sp>
         <p:nvSpPr>
-          <p:cNvPr id="120" name="Google Shape;120;p8:notes"/>
+          <p:cNvPr id="125" name="Google Shape;125;g25850bf5d43_0_64:notes"/>
           <p:cNvSpPr txBox="1"/>
           <p:nvPr>
             <p:ph idx="1" type="body"/>
@@ -2216,10 +2234,6 @@
           <a:prstGeom prst="rect">
             <a:avLst/>
           </a:prstGeom>
-          <a:noFill/>
-          <a:ln>
-            <a:noFill/>
-          </a:ln>
         </p:spPr>
         <p:txBody>
           <a:bodyPr anchorCtr="0" anchor="t" bIns="91425" lIns="91425" spcFirstLastPara="1" rIns="91425" wrap="square" tIns="91425">
@@ -2228,16 +2242,12 @@
           <a:lstStyle/>
           <a:p>
             <a:pPr indent="0" lvl="0" marL="0" rtl="0" algn="l">
-              <a:lnSpc>
-                <a:spcPct val="100000"/>
-              </a:lnSpc>
-              <a:spcBef>
-                <a:spcPts val="0"/>
-              </a:spcBef>
-              <a:spcAft>
-                <a:spcPts val="0"/>
-              </a:spcAft>
-              <a:buSzPts val="1100"/>
+              <a:spcBef>
+                <a:spcPts val="0"/>
+              </a:spcBef>
+              <a:spcAft>
+                <a:spcPts val="0"/>
+              </a:spcAft>
               <a:buNone/>
             </a:pPr>
             <a:r>
@@ -10619,7 +10629,7 @@
             </a:pPr>
             <a:r>
               <a:rPr lang="en"/>
-              <a:t>A Taste of Differentiation</a:t>
+              <a:t>A Survey of Calculus</a:t>
             </a:r>
             <a:endParaRPr/>
           </a:p>
@@ -10638,7 +10648,7 @@
   <p:cSld>
     <p:spTree>
       <p:nvGrpSpPr>
-        <p:cNvPr id="128" name="Shape 128"/>
+        <p:cNvPr id="136" name="Shape 136"/>
         <p:cNvGrpSpPr/>
         <p:nvPr/>
       </p:nvGrpSpPr>
@@ -10652,7 +10662,72 @@
       </p:grpSpPr>
       <p:sp>
         <p:nvSpPr>
-          <p:cNvPr id="129" name="Google Shape;129;p9"/>
+          <p:cNvPr id="137" name="Google Shape;137;g25850bf5d43_0_94"/>
+          <p:cNvSpPr txBox="1"/>
+          <p:nvPr>
+            <p:ph type="title"/>
+          </p:nvPr>
+        </p:nvSpPr>
+        <p:spPr>
+          <a:xfrm>
+            <a:off x="773700" y="1806450"/>
+            <a:ext cx="7596600" cy="831300"/>
+          </a:xfrm>
+          <a:prstGeom prst="rect">
+            <a:avLst/>
+          </a:prstGeom>
+        </p:spPr>
+        <p:txBody>
+          <a:bodyPr anchorCtr="0" anchor="ctr" bIns="91425" lIns="91425" spcFirstLastPara="1" rIns="91425" wrap="square" tIns="91425">
+            <a:spAutoFit/>
+          </a:bodyPr>
+          <a:lstStyle/>
+          <a:p>
+            <a:pPr indent="0" lvl="0" marL="0" rtl="0" algn="ctr">
+              <a:spcBef>
+                <a:spcPts val="0"/>
+              </a:spcBef>
+              <a:spcAft>
+                <a:spcPts val="0"/>
+              </a:spcAft>
+              <a:buNone/>
+            </a:pPr>
+            <a:r>
+              <a:rPr lang="en"/>
+              <a:t>Fundamental Theorem of Calculus</a:t>
+            </a:r>
+            <a:endParaRPr/>
+          </a:p>
+        </p:txBody>
+      </p:sp>
+    </p:spTree>
+  </p:cSld>
+  <p:clrMapOvr>
+    <a:masterClrMapping/>
+  </p:clrMapOvr>
+</p:sld>
+</file>
+
+<file path=ppt/slides/slide11.xml><?xml version="1.0" encoding="utf-8"?>
+<p:sld xmlns:a="http://schemas.openxmlformats.org/drawingml/2006/main" xmlns:r="http://schemas.openxmlformats.org/officeDocument/2006/relationships" xmlns:mc="http://schemas.openxmlformats.org/markup-compatibility/2006" xmlns:mv="urn:schemas-microsoft-com:mac:vml" xmlns:p="http://schemas.openxmlformats.org/presentationml/2006/main" xmlns:c="http://schemas.openxmlformats.org/drawingml/2006/chart" xmlns:dgm="http://schemas.openxmlformats.org/drawingml/2006/diagram" xmlns:o="urn:schemas-microsoft-com:office:office" xmlns:v="urn:schemas-microsoft-com:vml" xmlns:pvml="urn:schemas-microsoft-com:office:powerpoint" xmlns:com="http://schemas.openxmlformats.org/drawingml/2006/compatibility" xmlns:p14="http://schemas.microsoft.com/office/powerpoint/2010/main" xmlns:p15="http://schemas.microsoft.com/office/powerpoint/2012/main" xmlns:ahyp="http://schemas.microsoft.com/office/drawing/2018/hyperlinkcolor">
+  <p:cSld>
+    <p:spTree>
+      <p:nvGrpSpPr>
+        <p:cNvPr id="141" name="Shape 141"/>
+        <p:cNvGrpSpPr/>
+        <p:nvPr/>
+      </p:nvGrpSpPr>
+      <p:grpSpPr>
+        <a:xfrm>
+          <a:off x="0" y="0"/>
+          <a:ext cx="0" cy="0"/>
+          <a:chOff x="0" y="0"/>
+          <a:chExt cx="0" cy="0"/>
+        </a:xfrm>
+      </p:grpSpPr>
+      <p:sp>
+        <p:nvSpPr>
+          <p:cNvPr id="142" name="Google Shape;142;g25850bf5d43_0_76"/>
           <p:cNvSpPr txBox="1"/>
           <p:nvPr>
             <p:ph type="title"/>
@@ -10666,10 +10741,6 @@
           <a:prstGeom prst="rect">
             <a:avLst/>
           </a:prstGeom>
-          <a:noFill/>
-          <a:ln>
-            <a:noFill/>
-          </a:ln>
         </p:spPr>
         <p:txBody>
           <a:bodyPr anchorCtr="0" anchor="b" bIns="91425" lIns="91425" spcFirstLastPara="1" rIns="91425" wrap="square" tIns="91425">
@@ -10678,21 +10749,17 @@
           <a:lstStyle/>
           <a:p>
             <a:pPr indent="0" lvl="0" marL="0" rtl="0" algn="l">
-              <a:lnSpc>
-                <a:spcPct val="100000"/>
-              </a:lnSpc>
-              <a:spcBef>
-                <a:spcPts val="0"/>
-              </a:spcBef>
-              <a:spcAft>
-                <a:spcPts val="0"/>
-              </a:spcAft>
-              <a:buSzPts val="4200"/>
+              <a:spcBef>
+                <a:spcPts val="0"/>
+              </a:spcBef>
+              <a:spcAft>
+                <a:spcPts val="0"/>
+              </a:spcAft>
               <a:buNone/>
             </a:pPr>
             <a:r>
               <a:rPr lang="en"/>
-              <a:t>Power rule</a:t>
+              <a:t>Linear Approximation</a:t>
             </a:r>
             <a:endParaRPr/>
           </a:p>
@@ -10700,7 +10767,7 @@
       </p:sp>
       <p:sp>
         <p:nvSpPr>
-          <p:cNvPr id="130" name="Google Shape;130;p9"/>
+          <p:cNvPr id="143" name="Google Shape;143;g25850bf5d43_0_76"/>
           <p:cNvSpPr txBox="1"/>
           <p:nvPr>
             <p:ph idx="1" type="body"/>
@@ -10709,15 +10776,11 @@
         <p:spPr>
           <a:xfrm>
             <a:off x="311700" y="1225225"/>
-            <a:ext cx="3999900" cy="400200"/>
+            <a:ext cx="3506700" cy="895800"/>
           </a:xfrm>
           <a:prstGeom prst="rect">
             <a:avLst/>
           </a:prstGeom>
-          <a:noFill/>
-          <a:ln>
-            <a:noFill/>
-          </a:ln>
         </p:spPr>
         <p:txBody>
           <a:bodyPr anchorCtr="0" anchor="t" bIns="91425" lIns="91425" spcFirstLastPara="1" rIns="91425" wrap="square" tIns="91425">
@@ -10726,21 +10789,17 @@
           <a:lstStyle/>
           <a:p>
             <a:pPr indent="0" lvl="0" marL="0" rtl="0" algn="l">
-              <a:lnSpc>
-                <a:spcPct val="115000"/>
-              </a:lnSpc>
-              <a:spcBef>
-                <a:spcPts val="0"/>
-              </a:spcBef>
-              <a:spcAft>
-                <a:spcPts val="1200"/>
-              </a:spcAft>
-              <a:buSzPts val="1400"/>
+              <a:spcBef>
+                <a:spcPts val="0"/>
+              </a:spcBef>
+              <a:spcAft>
+                <a:spcPts val="0"/>
+              </a:spcAft>
               <a:buNone/>
             </a:pPr>
             <a:r>
               <a:rPr lang="en"/>
-              <a:t>What about for a polynomial?</a:t>
+              <a:t>Given a function f(x), we can approximate f(x + Δ) for some small Δ to be f(x) + f’(x) * Δ.</a:t>
             </a:r>
             <a:endParaRPr/>
           </a:p>
@@ -10748,7 +10807,7 @@
       </p:sp>
       <p:sp>
         <p:nvSpPr>
-          <p:cNvPr id="131" name="Google Shape;131;p9"/>
+          <p:cNvPr id="144" name="Google Shape;144;g25850bf5d43_0_76"/>
           <p:cNvSpPr txBox="1"/>
           <p:nvPr>
             <p:ph idx="1" type="body"/>
@@ -10756,16 +10815,12 @@
         </p:nvSpPr>
         <p:spPr>
           <a:xfrm>
-            <a:off x="311700" y="1625425"/>
-            <a:ext cx="3999900" cy="1391400"/>
+            <a:off x="311700" y="2121025"/>
+            <a:ext cx="3585300" cy="648000"/>
           </a:xfrm>
           <a:prstGeom prst="rect">
             <a:avLst/>
           </a:prstGeom>
-          <a:noFill/>
-          <a:ln>
-            <a:noFill/>
-          </a:ln>
         </p:spPr>
         <p:txBody>
           <a:bodyPr anchorCtr="0" anchor="t" bIns="91425" lIns="91425" spcFirstLastPara="1" rIns="91425" wrap="square" tIns="91425">
@@ -10774,37 +10829,57 @@
           <a:lstStyle/>
           <a:p>
             <a:pPr indent="0" lvl="0" marL="0" rtl="0" algn="l">
-              <a:lnSpc>
-                <a:spcPct val="115000"/>
-              </a:lnSpc>
-              <a:spcBef>
-                <a:spcPts val="0"/>
-              </a:spcBef>
-              <a:spcAft>
-                <a:spcPts val="1200"/>
-              </a:spcAft>
-              <a:buSzPts val="1400"/>
+              <a:spcBef>
+                <a:spcPts val="0"/>
+              </a:spcBef>
+              <a:spcAft>
+                <a:spcPts val="0"/>
+              </a:spcAft>
               <a:buNone/>
             </a:pPr>
             <a:r>
               <a:rPr lang="en"/>
-              <a:t>We can do some manipulation of the derivative formula for a polynomial and find that, in general, the derivative of the function y = x</a:t>
+              <a:t>Thus, we can approximate f(x + Δ) - f(x) as f’(x) * Δ.</a:t>
             </a:r>
-            <a:r>
-              <a:rPr baseline="30000" lang="en"/>
-              <a:t>n</a:t>
-            </a:r>
+            <a:endParaRPr/>
+          </a:p>
+        </p:txBody>
+      </p:sp>
+      <p:sp>
+        <p:nvSpPr>
+          <p:cNvPr id="145" name="Google Shape;145;g25850bf5d43_0_76"/>
+          <p:cNvSpPr txBox="1"/>
+          <p:nvPr>
+            <p:ph idx="1" type="body"/>
+          </p:nvPr>
+        </p:nvSpPr>
+        <p:spPr>
+          <a:xfrm>
+            <a:off x="311700" y="2834175"/>
+            <a:ext cx="3506700" cy="648000"/>
+          </a:xfrm>
+          <a:prstGeom prst="rect">
+            <a:avLst/>
+          </a:prstGeom>
+        </p:spPr>
+        <p:txBody>
+          <a:bodyPr anchorCtr="0" anchor="t" bIns="91425" lIns="91425" spcFirstLastPara="1" rIns="91425" wrap="square" tIns="91425">
+            <a:spAutoFit/>
+          </a:bodyPr>
+          <a:lstStyle/>
+          <a:p>
+            <a:pPr indent="0" lvl="0" marL="0" rtl="0" algn="l">
+              <a:spcBef>
+                <a:spcPts val="0"/>
+              </a:spcBef>
+              <a:spcAft>
+                <a:spcPts val="0"/>
+              </a:spcAft>
+              <a:buNone/>
+            </a:pPr>
             <a:r>
               <a:rPr lang="en"/>
-              <a:t> is dy/dx = nx</a:t>
-            </a:r>
-            <a:r>
-              <a:rPr baseline="30000" lang="en"/>
-              <a:t>n-1</a:t>
-            </a:r>
-            <a:r>
-              <a:rPr lang="en"/>
-              <a:t> where n is a non-zero integer.</a:t>
+              <a:t>Taking the limit as Δ → 0 makes this approximation exact.</a:t>
             </a:r>
             <a:endParaRPr/>
           </a:p>
@@ -10812,21 +10887,22 @@
       </p:sp>
       <p:pic>
         <p:nvPicPr>
-          <p:cNvPr id="132" name="Google Shape;132;p9"/>
+          <p:cNvPr id="146" name="Google Shape;146;g25850bf5d43_0_76"/>
           <p:cNvPicPr preferRelativeResize="0"/>
           <p:nvPr/>
         </p:nvPicPr>
-        <p:blipFill rotWithShape="1">
+        <p:blipFill>
           <a:blip r:embed="rId3">
             <a:alphaModFix/>
           </a:blip>
-          <a:srcRect b="0" l="0" r="0" t="0"/>
-          <a:stretch/>
+          <a:stretch>
+            <a:fillRect/>
+          </a:stretch>
         </p:blipFill>
         <p:spPr>
           <a:xfrm>
-            <a:off x="4524500" y="1147225"/>
-            <a:ext cx="3280155" cy="3691476"/>
+            <a:off x="3970675" y="1147225"/>
+            <a:ext cx="4942199" cy="2547908"/>
           </a:xfrm>
           <a:prstGeom prst="rect">
             <a:avLst/>
@@ -10842,204 +10918,15 @@
   <p:clrMapOvr>
     <a:masterClrMapping/>
   </p:clrMapOvr>
-  <p:timing>
-    <p:tnLst>
-      <p:par>
-        <p:cTn dur="indefinite" nodeType="tmRoot" restart="never">
-          <p:childTnLst>
-            <p:seq concurrent="1" nextAc="seek">
-              <p:cTn dur="indefinite" id="2" nodeType="mainSeq">
-                <p:childTnLst>
-                  <p:par>
-                    <p:cTn fill="hold">
-                      <p:stCondLst>
-                        <p:cond delay="indefinite"/>
-                      </p:stCondLst>
-                      <p:childTnLst>
-                        <p:par>
-                          <p:cTn fill="hold">
-                            <p:stCondLst>
-                              <p:cond delay="0"/>
-                            </p:stCondLst>
-                            <p:childTnLst>
-                              <p:par>
-                                <p:cTn fill="hold" nodeType="clickEffect" presetClass="entr" presetID="10" presetSubtype="0">
-                                  <p:stCondLst>
-                                    <p:cond delay="0"/>
-                                  </p:stCondLst>
-                                  <p:childTnLst>
-                                    <p:set>
-                                      <p:cBhvr>
-                                        <p:cTn dur="1" fill="hold">
-                                          <p:stCondLst>
-                                            <p:cond delay="0"/>
-                                          </p:stCondLst>
-                                        </p:cTn>
-                                        <p:tgtEl>
-                                          <p:spTgt spid="130"/>
-                                        </p:tgtEl>
-                                        <p:attrNameLst>
-                                          <p:attrName>style.visibility</p:attrName>
-                                        </p:attrNameLst>
-                                      </p:cBhvr>
-                                      <p:to>
-                                        <p:strVal val="visible"/>
-                                      </p:to>
-                                    </p:set>
-                                    <p:animEffect filter="fade" transition="in">
-                                      <p:cBhvr>
-                                        <p:cTn dur="1000"/>
-                                        <p:tgtEl>
-                                          <p:spTgt spid="130"/>
-                                        </p:tgtEl>
-                                      </p:cBhvr>
-                                    </p:animEffect>
-                                  </p:childTnLst>
-                                </p:cTn>
-                              </p:par>
-                            </p:childTnLst>
-                          </p:cTn>
-                        </p:par>
-                      </p:childTnLst>
-                    </p:cTn>
-                  </p:par>
-                  <p:par>
-                    <p:cTn fill="hold">
-                      <p:stCondLst>
-                        <p:cond delay="indefinite"/>
-                      </p:stCondLst>
-                      <p:childTnLst>
-                        <p:par>
-                          <p:cTn fill="hold">
-                            <p:stCondLst>
-                              <p:cond delay="0"/>
-                            </p:stCondLst>
-                            <p:childTnLst>
-                              <p:par>
-                                <p:cTn fill="hold" nodeType="clickEffect" presetClass="entr" presetID="10" presetSubtype="0">
-                                  <p:stCondLst>
-                                    <p:cond delay="0"/>
-                                  </p:stCondLst>
-                                  <p:childTnLst>
-                                    <p:set>
-                                      <p:cBhvr>
-                                        <p:cTn dur="1" fill="hold">
-                                          <p:stCondLst>
-                                            <p:cond delay="0"/>
-                                          </p:stCondLst>
-                                        </p:cTn>
-                                        <p:tgtEl>
-                                          <p:spTgt spid="132"/>
-                                        </p:tgtEl>
-                                        <p:attrNameLst>
-                                          <p:attrName>style.visibility</p:attrName>
-                                        </p:attrNameLst>
-                                      </p:cBhvr>
-                                      <p:to>
-                                        <p:strVal val="visible"/>
-                                      </p:to>
-                                    </p:set>
-                                    <p:animEffect filter="fade" transition="in">
-                                      <p:cBhvr>
-                                        <p:cTn dur="1000"/>
-                                        <p:tgtEl>
-                                          <p:spTgt spid="132"/>
-                                        </p:tgtEl>
-                                      </p:cBhvr>
-                                    </p:animEffect>
-                                  </p:childTnLst>
-                                </p:cTn>
-                              </p:par>
-                            </p:childTnLst>
-                          </p:cTn>
-                        </p:par>
-                      </p:childTnLst>
-                    </p:cTn>
-                  </p:par>
-                  <p:par>
-                    <p:cTn fill="hold">
-                      <p:stCondLst>
-                        <p:cond delay="indefinite"/>
-                      </p:stCondLst>
-                      <p:childTnLst>
-                        <p:par>
-                          <p:cTn fill="hold">
-                            <p:stCondLst>
-                              <p:cond delay="0"/>
-                            </p:stCondLst>
-                            <p:childTnLst>
-                              <p:par>
-                                <p:cTn fill="hold" nodeType="clickEffect" presetClass="entr" presetID="10" presetSubtype="0">
-                                  <p:stCondLst>
-                                    <p:cond delay="0"/>
-                                  </p:stCondLst>
-                                  <p:childTnLst>
-                                    <p:set>
-                                      <p:cBhvr>
-                                        <p:cTn dur="1" fill="hold">
-                                          <p:stCondLst>
-                                            <p:cond delay="0"/>
-                                          </p:stCondLst>
-                                        </p:cTn>
-                                        <p:tgtEl>
-                                          <p:spTgt spid="131"/>
-                                        </p:tgtEl>
-                                        <p:attrNameLst>
-                                          <p:attrName>style.visibility</p:attrName>
-                                        </p:attrNameLst>
-                                      </p:cBhvr>
-                                      <p:to>
-                                        <p:strVal val="visible"/>
-                                      </p:to>
-                                    </p:set>
-                                    <p:animEffect filter="fade" transition="in">
-                                      <p:cBhvr>
-                                        <p:cTn dur="1000"/>
-                                        <p:tgtEl>
-                                          <p:spTgt spid="131"/>
-                                        </p:tgtEl>
-                                      </p:cBhvr>
-                                    </p:animEffect>
-                                  </p:childTnLst>
-                                </p:cTn>
-                              </p:par>
-                            </p:childTnLst>
-                          </p:cTn>
-                        </p:par>
-                      </p:childTnLst>
-                    </p:cTn>
-                  </p:par>
-                </p:childTnLst>
-              </p:cTn>
-              <p:prevCondLst>
-                <p:cond evt="onPrev">
-                  <p:tgtEl>
-                    <p:sldTgt/>
-                  </p:tgtEl>
-                </p:cond>
-              </p:prevCondLst>
-              <p:nextCondLst>
-                <p:cond evt="onNext">
-                  <p:tgtEl>
-                    <p:sldTgt/>
-                  </p:tgtEl>
-                </p:cond>
-              </p:nextCondLst>
-            </p:seq>
-          </p:childTnLst>
-        </p:cTn>
-      </p:par>
-    </p:tnLst>
-  </p:timing>
 </p:sld>
 </file>
 
-<file path=ppt/slides/slide11.xml><?xml version="1.0" encoding="utf-8"?>
+<file path=ppt/slides/slide12.xml><?xml version="1.0" encoding="utf-8"?>
 <p:sld xmlns:a="http://schemas.openxmlformats.org/drawingml/2006/main" xmlns:r="http://schemas.openxmlformats.org/officeDocument/2006/relationships" xmlns:mc="http://schemas.openxmlformats.org/markup-compatibility/2006" xmlns:mv="urn:schemas-microsoft-com:mac:vml" xmlns:p="http://schemas.openxmlformats.org/presentationml/2006/main" xmlns:c="http://schemas.openxmlformats.org/drawingml/2006/chart" xmlns:dgm="http://schemas.openxmlformats.org/drawingml/2006/diagram" xmlns:o="urn:schemas-microsoft-com:office:office" xmlns:v="urn:schemas-microsoft-com:vml" xmlns:pvml="urn:schemas-microsoft-com:office:powerpoint" xmlns:com="http://schemas.openxmlformats.org/drawingml/2006/compatibility" xmlns:p14="http://schemas.microsoft.com/office/powerpoint/2010/main" xmlns:p15="http://schemas.microsoft.com/office/powerpoint/2012/main" xmlns:ahyp="http://schemas.microsoft.com/office/drawing/2018/hyperlinkcolor">
   <p:cSld>
     <p:spTree>
       <p:nvGrpSpPr>
-        <p:cNvPr id="136" name="Shape 136"/>
+        <p:cNvPr id="150" name="Shape 150"/>
         <p:cNvGrpSpPr/>
         <p:nvPr/>
       </p:nvGrpSpPr>
@@ -11053,7 +10940,7 @@
       </p:grpSpPr>
       <p:sp>
         <p:nvSpPr>
-          <p:cNvPr id="137" name="Google Shape;137;p10"/>
+          <p:cNvPr id="151" name="Google Shape;151;g25850bf5d43_0_56"/>
           <p:cNvSpPr txBox="1"/>
           <p:nvPr>
             <p:ph type="title"/>
@@ -11067,10 +10954,6 @@
           <a:prstGeom prst="rect">
             <a:avLst/>
           </a:prstGeom>
-          <a:noFill/>
-          <a:ln>
-            <a:noFill/>
-          </a:ln>
         </p:spPr>
         <p:txBody>
           <a:bodyPr anchorCtr="0" anchor="b" bIns="91425" lIns="91425" spcFirstLastPara="1" rIns="91425" wrap="square" tIns="91425">
@@ -11079,21 +10962,17 @@
           <a:lstStyle/>
           <a:p>
             <a:pPr indent="0" lvl="0" marL="0" rtl="0" algn="l">
-              <a:lnSpc>
-                <a:spcPct val="100000"/>
-              </a:lnSpc>
-              <a:spcBef>
-                <a:spcPts val="0"/>
-              </a:spcBef>
-              <a:spcAft>
-                <a:spcPts val="0"/>
-              </a:spcAft>
-              <a:buSzPts val="4200"/>
+              <a:spcBef>
+                <a:spcPts val="0"/>
+              </a:spcBef>
+              <a:spcAft>
+                <a:spcPts val="0"/>
+              </a:spcAft>
               <a:buNone/>
             </a:pPr>
             <a:r>
               <a:rPr lang="en"/>
-              <a:t>Coefficients of a polynomial</a:t>
+              <a:t>Fundamental Theorem of Calculus</a:t>
             </a:r>
             <a:endParaRPr/>
           </a:p>
@@ -11101,7 +10980,7 @@
       </p:sp>
       <p:sp>
         <p:nvSpPr>
-          <p:cNvPr id="138" name="Google Shape;138;p10"/>
+          <p:cNvPr id="152" name="Google Shape;152;g25850bf5d43_0_56"/>
           <p:cNvSpPr txBox="1"/>
           <p:nvPr>
             <p:ph idx="1" type="body"/>
@@ -11110,15 +10989,11 @@
         <p:spPr>
           <a:xfrm>
             <a:off x="311700" y="1225225"/>
-            <a:ext cx="3999900" cy="400200"/>
+            <a:ext cx="8520600" cy="648000"/>
           </a:xfrm>
           <a:prstGeom prst="rect">
             <a:avLst/>
           </a:prstGeom>
-          <a:noFill/>
-          <a:ln>
-            <a:noFill/>
-          </a:ln>
         </p:spPr>
         <p:txBody>
           <a:bodyPr anchorCtr="0" anchor="t" bIns="91425" lIns="91425" spcFirstLastPara="1" rIns="91425" wrap="square" tIns="91425">
@@ -11127,29 +11002,17 @@
           <a:lstStyle/>
           <a:p>
             <a:pPr indent="0" lvl="0" marL="0" rtl="0" algn="l">
-              <a:lnSpc>
-                <a:spcPct val="115000"/>
-              </a:lnSpc>
-              <a:spcBef>
-                <a:spcPts val="0"/>
-              </a:spcBef>
-              <a:spcAft>
-                <a:spcPts val="1200"/>
-              </a:spcAft>
-              <a:buSzPts val="1400"/>
+              <a:spcBef>
+                <a:spcPts val="0"/>
+              </a:spcBef>
+              <a:spcAft>
+                <a:spcPts val="0"/>
+              </a:spcAft>
               <a:buNone/>
             </a:pPr>
             <a:r>
               <a:rPr lang="en"/>
-              <a:t>Notice that p(0) = c</a:t>
-            </a:r>
-            <a:r>
-              <a:rPr baseline="-25000" lang="en"/>
-              <a:t>0</a:t>
-            </a:r>
-            <a:r>
-              <a:rPr lang="en"/>
-              <a:t>.</a:t>
+              <a:t>Consider some function f(x). We can write f(b) - f(a) as a sum [f(b) - f(b - Δ)] + [f(b - Δ) - f(b - 2Δ)] + … + [f(a + 2Δ) - f(a + Δ)] + [f(a + Δ) - f(a)].</a:t>
             </a:r>
             <a:endParaRPr/>
           </a:p>
@@ -11157,7 +11020,7 @@
       </p:sp>
       <p:sp>
         <p:nvSpPr>
-          <p:cNvPr id="139" name="Google Shape;139;p10"/>
+          <p:cNvPr id="153" name="Google Shape;153;g25850bf5d43_0_56"/>
           <p:cNvSpPr txBox="1"/>
           <p:nvPr>
             <p:ph idx="1" type="body"/>
@@ -11165,16 +11028,12 @@
         </p:nvSpPr>
         <p:spPr>
           <a:xfrm>
-            <a:off x="311700" y="1625425"/>
-            <a:ext cx="8520600" cy="400200"/>
+            <a:off x="311700" y="1873225"/>
+            <a:ext cx="8520600" cy="648000"/>
           </a:xfrm>
           <a:prstGeom prst="rect">
             <a:avLst/>
           </a:prstGeom>
-          <a:noFill/>
-          <a:ln>
-            <a:noFill/>
-          </a:ln>
         </p:spPr>
         <p:txBody>
           <a:bodyPr anchorCtr="0" anchor="t" bIns="91425" lIns="91425" spcFirstLastPara="1" rIns="91425" wrap="square" tIns="91425">
@@ -11183,61 +11042,17 @@
           <a:lstStyle/>
           <a:p>
             <a:pPr indent="0" lvl="0" marL="0" rtl="0" algn="l">
-              <a:lnSpc>
-                <a:spcPct val="115000"/>
-              </a:lnSpc>
-              <a:spcBef>
-                <a:spcPts val="0"/>
-              </a:spcBef>
-              <a:spcAft>
-                <a:spcPts val="1200"/>
-              </a:spcAft>
-              <a:buSzPts val="1400"/>
+              <a:spcBef>
+                <a:spcPts val="0"/>
+              </a:spcBef>
+              <a:spcAft>
+                <a:spcPts val="0"/>
+              </a:spcAft>
               <a:buNone/>
             </a:pPr>
             <a:r>
               <a:rPr lang="en"/>
-              <a:t>Let p’ = dp/dx. Then, p’(x) = c</a:t>
-            </a:r>
-            <a:r>
-              <a:rPr baseline="-25000" lang="en"/>
-              <a:t>1</a:t>
-            </a:r>
-            <a:r>
-              <a:rPr lang="en"/>
-              <a:t> + 2c</a:t>
-            </a:r>
-            <a:r>
-              <a:rPr baseline="-25000" lang="en"/>
-              <a:t>2</a:t>
-            </a:r>
-            <a:r>
-              <a:rPr lang="en"/>
-              <a:t>x + 3c</a:t>
-            </a:r>
-            <a:r>
-              <a:rPr baseline="-25000" lang="en"/>
-              <a:t>3</a:t>
-            </a:r>
-            <a:r>
-              <a:rPr lang="en"/>
-              <a:t>x</a:t>
-            </a:r>
-            <a:r>
-              <a:rPr baseline="30000" lang="en"/>
-              <a:t>2</a:t>
-            </a:r>
-            <a:r>
-              <a:rPr lang="en"/>
-              <a:t> . . ., so p’(0) = c</a:t>
-            </a:r>
-            <a:r>
-              <a:rPr baseline="-25000" lang="en"/>
-              <a:t>1</a:t>
-            </a:r>
-            <a:r>
-              <a:rPr lang="en"/>
-              <a:t>.</a:t>
+              <a:t>Then, take a linear approximation of each term to get [f’(b) * Δ] + [f’(b - Δ) * Δ] + … + [f’(a + 2Δ) * Δ] + [f’(a + Δ) * Δ].</a:t>
             </a:r>
             <a:endParaRPr/>
           </a:p>
@@ -11245,7 +11060,7 @@
       </p:sp>
       <p:sp>
         <p:nvSpPr>
-          <p:cNvPr id="140" name="Google Shape;140;p10"/>
+          <p:cNvPr id="154" name="Google Shape;154;g25850bf5d43_0_56"/>
           <p:cNvSpPr txBox="1"/>
           <p:nvPr>
             <p:ph idx="1" type="body"/>
@@ -11253,16 +11068,12 @@
         </p:nvSpPr>
         <p:spPr>
           <a:xfrm>
-            <a:off x="311700" y="2425825"/>
-            <a:ext cx="8520600" cy="400200"/>
+            <a:off x="311700" y="2571750"/>
+            <a:ext cx="8520600" cy="648000"/>
           </a:xfrm>
           <a:prstGeom prst="rect">
             <a:avLst/>
           </a:prstGeom>
-          <a:noFill/>
-          <a:ln>
-            <a:noFill/>
-          </a:ln>
         </p:spPr>
         <p:txBody>
           <a:bodyPr anchorCtr="0" anchor="t" bIns="91425" lIns="91425" spcFirstLastPara="1" rIns="91425" wrap="square" tIns="91425">
@@ -11271,45 +11082,17 @@
           <a:lstStyle/>
           <a:p>
             <a:pPr indent="0" lvl="0" marL="0" rtl="0" algn="l">
-              <a:lnSpc>
-                <a:spcPct val="115000"/>
-              </a:lnSpc>
-              <a:spcBef>
-                <a:spcPts val="0"/>
-              </a:spcBef>
-              <a:spcAft>
-                <a:spcPts val="1200"/>
-              </a:spcAft>
-              <a:buSzPts val="1400"/>
+              <a:spcBef>
+                <a:spcPts val="0"/>
+              </a:spcBef>
+              <a:spcAft>
+                <a:spcPts val="0"/>
+              </a:spcAft>
               <a:buNone/>
             </a:pPr>
             <a:r>
               <a:rPr lang="en"/>
-              <a:t>Thus, p’’(0) = 2c</a:t>
-            </a:r>
-            <a:r>
-              <a:rPr baseline="-25000" lang="en"/>
-              <a:t>2</a:t>
-            </a:r>
-            <a:r>
-              <a:rPr lang="en"/>
-              <a:t> and p’’’(0) = 6c</a:t>
-            </a:r>
-            <a:r>
-              <a:rPr baseline="-25000" lang="en"/>
-              <a:t>3</a:t>
-            </a:r>
-            <a:r>
-              <a:rPr lang="en"/>
-              <a:t> = (3!)c</a:t>
-            </a:r>
-            <a:r>
-              <a:rPr baseline="-25000" lang="en"/>
-              <a:t>3</a:t>
-            </a:r>
-            <a:r>
-              <a:rPr lang="en"/>
-              <a:t>.</a:t>
+              <a:t>This is the same as Riemann summing rectangles of width Δ to approximate the area of f’(x) from x=a to x=b.</a:t>
             </a:r>
             <a:endParaRPr/>
           </a:p>
@@ -11317,7 +11100,7 @@
       </p:sp>
       <p:sp>
         <p:nvSpPr>
-          <p:cNvPr id="141" name="Google Shape;141;p10"/>
+          <p:cNvPr id="155" name="Google Shape;155;g25850bf5d43_0_56"/>
           <p:cNvSpPr txBox="1"/>
           <p:nvPr>
             <p:ph idx="1" type="body"/>
@@ -11325,16 +11108,12 @@
         </p:nvSpPr>
         <p:spPr>
           <a:xfrm>
-            <a:off x="311700" y="2826025"/>
+            <a:off x="311700" y="3270275"/>
             <a:ext cx="8520600" cy="648000"/>
           </a:xfrm>
           <a:prstGeom prst="rect">
             <a:avLst/>
           </a:prstGeom>
-          <a:noFill/>
-          <a:ln>
-            <a:noFill/>
-          </a:ln>
         </p:spPr>
         <p:txBody>
           <a:bodyPr anchorCtr="0" anchor="t" bIns="91425" lIns="91425" spcFirstLastPara="1" rIns="91425" wrap="square" tIns="91425">
@@ -11343,29 +11122,45 @@
           <a:lstStyle/>
           <a:p>
             <a:pPr indent="0" lvl="0" marL="0" rtl="0" algn="l">
-              <a:lnSpc>
-                <a:spcPct val="115000"/>
-              </a:lnSpc>
-              <a:spcBef>
-                <a:spcPts val="0"/>
-              </a:spcBef>
-              <a:spcAft>
-                <a:spcPts val="1200"/>
-              </a:spcAft>
-              <a:buSzPts val="1400"/>
+              <a:spcBef>
+                <a:spcPts val="0"/>
+              </a:spcBef>
+              <a:spcAft>
+                <a:spcPts val="0"/>
+              </a:spcAft>
               <a:buNone/>
             </a:pPr>
             <a:r>
               <a:rPr lang="en"/>
-              <a:t>Let us define p</a:t>
+              <a:t>Taking the limit as Δ → 0 gives us our integral ∫</a:t>
+            </a:r>
+            <a:r>
+              <a:rPr baseline="-25000" lang="en"/>
+              <a:t>a</a:t>
             </a:r>
             <a:r>
               <a:rPr baseline="30000" lang="en"/>
-              <a:t>(a)</a:t>
+              <a:t>b</a:t>
             </a:r>
             <a:r>
               <a:rPr lang="en"/>
-              <a:t> to be the “a”th derivative of the polynomial p(x). In other words, the result when we take the derivative of p(x) “a” times.</a:t>
+              <a:t> f’(x)dx. Thus, f(b) - f(a) = </a:t>
+            </a:r>
+            <a:r>
+              <a:rPr lang="en"/>
+              <a:t>∫</a:t>
+            </a:r>
+            <a:r>
+              <a:rPr baseline="-25000" lang="en"/>
+              <a:t>a</a:t>
+            </a:r>
+            <a:r>
+              <a:rPr baseline="30000" lang="en"/>
+              <a:t>b</a:t>
+            </a:r>
+            <a:r>
+              <a:rPr lang="en"/>
+              <a:t> f’(x)dx. This is one statement of the fundamental theorem of calculus.</a:t>
             </a:r>
             <a:endParaRPr/>
           </a:p>
@@ -11373,7 +11168,7 @@
       </p:sp>
       <p:sp>
         <p:nvSpPr>
-          <p:cNvPr id="142" name="Google Shape;142;p10"/>
+          <p:cNvPr id="156" name="Google Shape;156;g25850bf5d43_0_56"/>
           <p:cNvSpPr txBox="1"/>
           <p:nvPr>
             <p:ph idx="1" type="body"/>
@@ -11381,16 +11176,12 @@
         </p:nvSpPr>
         <p:spPr>
           <a:xfrm>
-            <a:off x="311700" y="3874225"/>
+            <a:off x="311700" y="3968800"/>
             <a:ext cx="8520600" cy="648000"/>
           </a:xfrm>
           <a:prstGeom prst="rect">
             <a:avLst/>
           </a:prstGeom>
-          <a:noFill/>
-          <a:ln>
-            <a:noFill/>
-          </a:ln>
         </p:spPr>
         <p:txBody>
           <a:bodyPr anchorCtr="0" anchor="t" bIns="91425" lIns="91425" spcFirstLastPara="1" rIns="91425" wrap="square" tIns="91425">
@@ -11399,181 +11190,29 @@
           <a:lstStyle/>
           <a:p>
             <a:pPr indent="0" lvl="0" marL="0" rtl="0" algn="l">
-              <a:lnSpc>
-                <a:spcPct val="115000"/>
-              </a:lnSpc>
-              <a:spcBef>
-                <a:spcPts val="0"/>
-              </a:spcBef>
-              <a:spcAft>
-                <a:spcPts val="1200"/>
-              </a:spcAft>
-              <a:buSzPts val="1400"/>
+              <a:spcBef>
+                <a:spcPts val="0"/>
+              </a:spcBef>
+              <a:spcAft>
+                <a:spcPts val="0"/>
+              </a:spcAft>
               <a:buNone/>
             </a:pPr>
             <a:r>
               <a:rPr lang="en"/>
-              <a:t>In general to find c</a:t>
+              <a:t>The other statement is d/dx ∫</a:t>
             </a:r>
             <a:r>
               <a:rPr baseline="-25000" lang="en"/>
               <a:t>a</a:t>
             </a:r>
             <a:r>
-              <a:rPr lang="en"/>
-              <a:t>, where a is an integer between 0 and n inclusive, we can use the equation c</a:t>
-            </a:r>
-            <a:r>
-              <a:rPr baseline="-25000" lang="en"/>
-              <a:t>a</a:t>
+              <a:rPr baseline="30000" lang="en"/>
+              <a:t>x</a:t>
             </a:r>
             <a:r>
               <a:rPr lang="en"/>
-              <a:t> = p</a:t>
-            </a:r>
-            <a:r>
-              <a:rPr baseline="30000" lang="en"/>
-              <a:t>(a)</a:t>
-            </a:r>
-            <a:r>
-              <a:rPr lang="en"/>
-              <a:t>(0)/(a!).</a:t>
-            </a:r>
-            <a:endParaRPr/>
-          </a:p>
-        </p:txBody>
-      </p:sp>
-      <p:sp>
-        <p:nvSpPr>
-          <p:cNvPr id="143" name="Google Shape;143;p10"/>
-          <p:cNvSpPr txBox="1"/>
-          <p:nvPr>
-            <p:ph idx="1" type="body"/>
-          </p:nvPr>
-        </p:nvSpPr>
-        <p:spPr>
-          <a:xfrm>
-            <a:off x="311700" y="3474025"/>
-            <a:ext cx="8520600" cy="400200"/>
-          </a:xfrm>
-          <a:prstGeom prst="rect">
-            <a:avLst/>
-          </a:prstGeom>
-          <a:noFill/>
-          <a:ln>
-            <a:noFill/>
-          </a:ln>
-        </p:spPr>
-        <p:txBody>
-          <a:bodyPr anchorCtr="0" anchor="t" bIns="91425" lIns="91425" spcFirstLastPara="1" rIns="91425" wrap="square" tIns="91425">
-            <a:spAutoFit/>
-          </a:bodyPr>
-          <a:lstStyle/>
-          <a:p>
-            <a:pPr indent="0" lvl="0" marL="0" rtl="0" algn="l">
-              <a:lnSpc>
-                <a:spcPct val="115000"/>
-              </a:lnSpc>
-              <a:spcBef>
-                <a:spcPts val="0"/>
-              </a:spcBef>
-              <a:spcAft>
-                <a:spcPts val="1200"/>
-              </a:spcAft>
-              <a:buSzPts val="1400"/>
-              <a:buNone/>
-            </a:pPr>
-            <a:r>
-              <a:rPr lang="en"/>
-              <a:t>Then p</a:t>
-            </a:r>
-            <a:r>
-              <a:rPr baseline="30000" lang="en"/>
-              <a:t>(a)</a:t>
-            </a:r>
-            <a:r>
-              <a:rPr lang="en"/>
-              <a:t>(0) represents the value of the function p</a:t>
-            </a:r>
-            <a:r>
-              <a:rPr baseline="30000" lang="en"/>
-              <a:t>(a)</a:t>
-            </a:r>
-            <a:r>
-              <a:rPr lang="en"/>
-              <a:t>(x) at x = 0.</a:t>
-            </a:r>
-            <a:endParaRPr/>
-          </a:p>
-        </p:txBody>
-      </p:sp>
-      <p:sp>
-        <p:nvSpPr>
-          <p:cNvPr id="144" name="Google Shape;144;p10"/>
-          <p:cNvSpPr txBox="1"/>
-          <p:nvPr>
-            <p:ph idx="1" type="body"/>
-          </p:nvPr>
-        </p:nvSpPr>
-        <p:spPr>
-          <a:xfrm>
-            <a:off x="311700" y="2025625"/>
-            <a:ext cx="8520600" cy="400200"/>
-          </a:xfrm>
-          <a:prstGeom prst="rect">
-            <a:avLst/>
-          </a:prstGeom>
-          <a:noFill/>
-          <a:ln>
-            <a:noFill/>
-          </a:ln>
-        </p:spPr>
-        <p:txBody>
-          <a:bodyPr anchorCtr="0" anchor="t" bIns="91425" lIns="91425" spcFirstLastPara="1" rIns="91425" wrap="square" tIns="91425">
-            <a:spAutoFit/>
-          </a:bodyPr>
-          <a:lstStyle/>
-          <a:p>
-            <a:pPr indent="0" lvl="0" marL="0" rtl="0" algn="l">
-              <a:lnSpc>
-                <a:spcPct val="115000"/>
-              </a:lnSpc>
-              <a:spcBef>
-                <a:spcPts val="0"/>
-              </a:spcBef>
-              <a:spcAft>
-                <a:spcPts val="1200"/>
-              </a:spcAft>
-              <a:buSzPts val="1400"/>
-              <a:buNone/>
-            </a:pPr>
-            <a:r>
-              <a:rPr lang="en"/>
-              <a:t>We can continue taking derivatives to get p’’ = dp’/dx = 2c</a:t>
-            </a:r>
-            <a:r>
-              <a:rPr baseline="-25000" lang="en"/>
-              <a:t>2</a:t>
-            </a:r>
-            <a:r>
-              <a:rPr lang="en"/>
-              <a:t> + 6c</a:t>
-            </a:r>
-            <a:r>
-              <a:rPr baseline="-25000" lang="en"/>
-              <a:t>3</a:t>
-            </a:r>
-            <a:r>
-              <a:rPr lang="en"/>
-              <a:t>x + . . . and p’’’ = dp’’/dx = 3c</a:t>
-            </a:r>
-            <a:r>
-              <a:rPr baseline="-25000" lang="en"/>
-              <a:t>3</a:t>
-            </a:r>
-            <a:r>
-              <a:rPr lang="en"/>
-              <a:t>.</a:t>
+              <a:t> f(t)dt = f(x). In other words, differentiation and integration invert each other.</a:t>
             </a:r>
             <a:endParaRPr/>
           </a:p>
@@ -11584,416 +11223,15 @@
   <p:clrMapOvr>
     <a:masterClrMapping/>
   </p:clrMapOvr>
-  <p:timing>
-    <p:tnLst>
-      <p:par>
-        <p:cTn dur="indefinite" nodeType="tmRoot" restart="never">
-          <p:childTnLst>
-            <p:seq concurrent="1" nextAc="seek">
-              <p:cTn dur="indefinite" id="2" nodeType="mainSeq">
-                <p:childTnLst>
-                  <p:par>
-                    <p:cTn fill="hold">
-                      <p:stCondLst>
-                        <p:cond delay="indefinite"/>
-                      </p:stCondLst>
-                      <p:childTnLst>
-                        <p:par>
-                          <p:cTn fill="hold">
-                            <p:stCondLst>
-                              <p:cond delay="0"/>
-                            </p:stCondLst>
-                            <p:childTnLst>
-                              <p:par>
-                                <p:cTn fill="hold" nodeType="clickEffect" presetClass="entr" presetID="10" presetSubtype="0">
-                                  <p:stCondLst>
-                                    <p:cond delay="0"/>
-                                  </p:stCondLst>
-                                  <p:childTnLst>
-                                    <p:set>
-                                      <p:cBhvr>
-                                        <p:cTn dur="1" fill="hold">
-                                          <p:stCondLst>
-                                            <p:cond delay="0"/>
-                                          </p:stCondLst>
-                                        </p:cTn>
-                                        <p:tgtEl>
-                                          <p:spTgt spid="138"/>
-                                        </p:tgtEl>
-                                        <p:attrNameLst>
-                                          <p:attrName>style.visibility</p:attrName>
-                                        </p:attrNameLst>
-                                      </p:cBhvr>
-                                      <p:to>
-                                        <p:strVal val="visible"/>
-                                      </p:to>
-                                    </p:set>
-                                    <p:animEffect filter="fade" transition="in">
-                                      <p:cBhvr>
-                                        <p:cTn dur="1000"/>
-                                        <p:tgtEl>
-                                          <p:spTgt spid="138"/>
-                                        </p:tgtEl>
-                                      </p:cBhvr>
-                                    </p:animEffect>
-                                  </p:childTnLst>
-                                </p:cTn>
-                              </p:par>
-                            </p:childTnLst>
-                          </p:cTn>
-                        </p:par>
-                      </p:childTnLst>
-                    </p:cTn>
-                  </p:par>
-                  <p:par>
-                    <p:cTn fill="hold">
-                      <p:stCondLst>
-                        <p:cond delay="indefinite"/>
-                      </p:stCondLst>
-                      <p:childTnLst>
-                        <p:par>
-                          <p:cTn fill="hold">
-                            <p:stCondLst>
-                              <p:cond delay="0"/>
-                            </p:stCondLst>
-                            <p:childTnLst>
-                              <p:par>
-                                <p:cTn fill="hold" nodeType="clickEffect" presetClass="entr" presetID="10" presetSubtype="0">
-                                  <p:stCondLst>
-                                    <p:cond delay="0"/>
-                                  </p:stCondLst>
-                                  <p:childTnLst>
-                                    <p:set>
-                                      <p:cBhvr>
-                                        <p:cTn dur="1" fill="hold">
-                                          <p:stCondLst>
-                                            <p:cond delay="0"/>
-                                          </p:stCondLst>
-                                        </p:cTn>
-                                        <p:tgtEl>
-                                          <p:spTgt spid="139"/>
-                                        </p:tgtEl>
-                                        <p:attrNameLst>
-                                          <p:attrName>style.visibility</p:attrName>
-                                        </p:attrNameLst>
-                                      </p:cBhvr>
-                                      <p:to>
-                                        <p:strVal val="visible"/>
-                                      </p:to>
-                                    </p:set>
-                                    <p:animEffect filter="fade" transition="in">
-                                      <p:cBhvr>
-                                        <p:cTn dur="1000"/>
-                                        <p:tgtEl>
-                                          <p:spTgt spid="139"/>
-                                        </p:tgtEl>
-                                      </p:cBhvr>
-                                    </p:animEffect>
-                                  </p:childTnLst>
-                                </p:cTn>
-                              </p:par>
-                            </p:childTnLst>
-                          </p:cTn>
-                        </p:par>
-                      </p:childTnLst>
-                    </p:cTn>
-                  </p:par>
-                  <p:par>
-                    <p:cTn fill="hold">
-                      <p:stCondLst>
-                        <p:cond delay="indefinite"/>
-                      </p:stCondLst>
-                      <p:childTnLst>
-                        <p:par>
-                          <p:cTn fill="hold">
-                            <p:stCondLst>
-                              <p:cond delay="0"/>
-                            </p:stCondLst>
-                            <p:childTnLst>
-                              <p:par>
-                                <p:cTn fill="hold" nodeType="clickEffect" presetClass="entr" presetID="10" presetSubtype="0">
-                                  <p:stCondLst>
-                                    <p:cond delay="0"/>
-                                  </p:stCondLst>
-                                  <p:childTnLst>
-                                    <p:set>
-                                      <p:cBhvr>
-                                        <p:cTn dur="1" fill="hold">
-                                          <p:stCondLst>
-                                            <p:cond delay="0"/>
-                                          </p:stCondLst>
-                                        </p:cTn>
-                                        <p:tgtEl>
-                                          <p:spTgt spid="144"/>
-                                        </p:tgtEl>
-                                        <p:attrNameLst>
-                                          <p:attrName>style.visibility</p:attrName>
-                                        </p:attrNameLst>
-                                      </p:cBhvr>
-                                      <p:to>
-                                        <p:strVal val="visible"/>
-                                      </p:to>
-                                    </p:set>
-                                    <p:animEffect filter="fade" transition="in">
-                                      <p:cBhvr>
-                                        <p:cTn dur="1000"/>
-                                        <p:tgtEl>
-                                          <p:spTgt spid="144"/>
-                                        </p:tgtEl>
-                                      </p:cBhvr>
-                                    </p:animEffect>
-                                  </p:childTnLst>
-                                </p:cTn>
-                              </p:par>
-                            </p:childTnLst>
-                          </p:cTn>
-                        </p:par>
-                      </p:childTnLst>
-                    </p:cTn>
-                  </p:par>
-                  <p:par>
-                    <p:cTn fill="hold">
-                      <p:stCondLst>
-                        <p:cond delay="indefinite"/>
-                      </p:stCondLst>
-                      <p:childTnLst>
-                        <p:par>
-                          <p:cTn fill="hold">
-                            <p:stCondLst>
-                              <p:cond delay="0"/>
-                            </p:stCondLst>
-                            <p:childTnLst>
-                              <p:par>
-                                <p:cTn fill="hold" nodeType="clickEffect" presetClass="entr" presetID="10" presetSubtype="0">
-                                  <p:stCondLst>
-                                    <p:cond delay="0"/>
-                                  </p:stCondLst>
-                                  <p:childTnLst>
-                                    <p:set>
-                                      <p:cBhvr>
-                                        <p:cTn dur="1" fill="hold">
-                                          <p:stCondLst>
-                                            <p:cond delay="0"/>
-                                          </p:stCondLst>
-                                        </p:cTn>
-                                        <p:tgtEl>
-                                          <p:spTgt spid="140"/>
-                                        </p:tgtEl>
-                                        <p:attrNameLst>
-                                          <p:attrName>style.visibility</p:attrName>
-                                        </p:attrNameLst>
-                                      </p:cBhvr>
-                                      <p:to>
-                                        <p:strVal val="visible"/>
-                                      </p:to>
-                                    </p:set>
-                                    <p:animEffect filter="fade" transition="in">
-                                      <p:cBhvr>
-                                        <p:cTn dur="1000"/>
-                                        <p:tgtEl>
-                                          <p:spTgt spid="140"/>
-                                        </p:tgtEl>
-                                      </p:cBhvr>
-                                    </p:animEffect>
-                                  </p:childTnLst>
-                                </p:cTn>
-                              </p:par>
-                            </p:childTnLst>
-                          </p:cTn>
-                        </p:par>
-                      </p:childTnLst>
-                    </p:cTn>
-                  </p:par>
-                  <p:par>
-                    <p:cTn fill="hold">
-                      <p:stCondLst>
-                        <p:cond delay="indefinite"/>
-                      </p:stCondLst>
-                      <p:childTnLst>
-                        <p:par>
-                          <p:cTn fill="hold">
-                            <p:stCondLst>
-                              <p:cond delay="0"/>
-                            </p:stCondLst>
-                            <p:childTnLst>
-                              <p:par>
-                                <p:cTn fill="hold" nodeType="clickEffect" presetClass="entr" presetID="10" presetSubtype="0">
-                                  <p:stCondLst>
-                                    <p:cond delay="0"/>
-                                  </p:stCondLst>
-                                  <p:childTnLst>
-                                    <p:set>
-                                      <p:cBhvr>
-                                        <p:cTn dur="1" fill="hold">
-                                          <p:stCondLst>
-                                            <p:cond delay="0"/>
-                                          </p:stCondLst>
-                                        </p:cTn>
-                                        <p:tgtEl>
-                                          <p:spTgt spid="141"/>
-                                        </p:tgtEl>
-                                        <p:attrNameLst>
-                                          <p:attrName>style.visibility</p:attrName>
-                                        </p:attrNameLst>
-                                      </p:cBhvr>
-                                      <p:to>
-                                        <p:strVal val="visible"/>
-                                      </p:to>
-                                    </p:set>
-                                    <p:animEffect filter="fade" transition="in">
-                                      <p:cBhvr>
-                                        <p:cTn dur="1000"/>
-                                        <p:tgtEl>
-                                          <p:spTgt spid="141"/>
-                                        </p:tgtEl>
-                                      </p:cBhvr>
-                                    </p:animEffect>
-                                  </p:childTnLst>
-                                </p:cTn>
-                              </p:par>
-                            </p:childTnLst>
-                          </p:cTn>
-                        </p:par>
-                      </p:childTnLst>
-                    </p:cTn>
-                  </p:par>
-                  <p:par>
-                    <p:cTn fill="hold">
-                      <p:stCondLst>
-                        <p:cond delay="indefinite"/>
-                      </p:stCondLst>
-                      <p:childTnLst>
-                        <p:par>
-                          <p:cTn fill="hold">
-                            <p:stCondLst>
-                              <p:cond delay="0"/>
-                            </p:stCondLst>
-                            <p:childTnLst>
-                              <p:par>
-                                <p:cTn fill="hold" nodeType="clickEffect" presetClass="entr" presetID="10" presetSubtype="0">
-                                  <p:stCondLst>
-                                    <p:cond delay="0"/>
-                                  </p:stCondLst>
-                                  <p:childTnLst>
-                                    <p:set>
-                                      <p:cBhvr>
-                                        <p:cTn dur="1" fill="hold">
-                                          <p:stCondLst>
-                                            <p:cond delay="0"/>
-                                          </p:stCondLst>
-                                        </p:cTn>
-                                        <p:tgtEl>
-                                          <p:spTgt spid="143"/>
-                                        </p:tgtEl>
-                                        <p:attrNameLst>
-                                          <p:attrName>style.visibility</p:attrName>
-                                        </p:attrNameLst>
-                                      </p:cBhvr>
-                                      <p:to>
-                                        <p:strVal val="visible"/>
-                                      </p:to>
-                                    </p:set>
-                                    <p:animEffect filter="fade" transition="in">
-                                      <p:cBhvr>
-                                        <p:cTn dur="1000"/>
-                                        <p:tgtEl>
-                                          <p:spTgt spid="143"/>
-                                        </p:tgtEl>
-                                      </p:cBhvr>
-                                    </p:animEffect>
-                                  </p:childTnLst>
-                                </p:cTn>
-                              </p:par>
-                            </p:childTnLst>
-                          </p:cTn>
-                        </p:par>
-                      </p:childTnLst>
-                    </p:cTn>
-                  </p:par>
-                  <p:par>
-                    <p:cTn fill="hold">
-                      <p:stCondLst>
-                        <p:cond delay="indefinite"/>
-                      </p:stCondLst>
-                      <p:childTnLst>
-                        <p:par>
-                          <p:cTn fill="hold">
-                            <p:stCondLst>
-                              <p:cond delay="0"/>
-                            </p:stCondLst>
-                            <p:childTnLst>
-                              <p:par>
-                                <p:cTn fill="hold" nodeType="clickEffect" presetClass="entr" presetID="10" presetSubtype="0">
-                                  <p:stCondLst>
-                                    <p:cond delay="0"/>
-                                  </p:stCondLst>
-                                  <p:childTnLst>
-                                    <p:set>
-                                      <p:cBhvr>
-                                        <p:cTn dur="1" fill="hold">
-                                          <p:stCondLst>
-                                            <p:cond delay="0"/>
-                                          </p:stCondLst>
-                                        </p:cTn>
-                                        <p:tgtEl>
-                                          <p:spTgt spid="142"/>
-                                        </p:tgtEl>
-                                        <p:attrNameLst>
-                                          <p:attrName>style.visibility</p:attrName>
-                                        </p:attrNameLst>
-                                      </p:cBhvr>
-                                      <p:to>
-                                        <p:strVal val="visible"/>
-                                      </p:to>
-                                    </p:set>
-                                    <p:animEffect filter="fade" transition="in">
-                                      <p:cBhvr>
-                                        <p:cTn dur="1000"/>
-                                        <p:tgtEl>
-                                          <p:spTgt spid="142"/>
-                                        </p:tgtEl>
-                                      </p:cBhvr>
-                                    </p:animEffect>
-                                  </p:childTnLst>
-                                </p:cTn>
-                              </p:par>
-                            </p:childTnLst>
-                          </p:cTn>
-                        </p:par>
-                      </p:childTnLst>
-                    </p:cTn>
-                  </p:par>
-                </p:childTnLst>
-              </p:cTn>
-              <p:prevCondLst>
-                <p:cond evt="onPrev">
-                  <p:tgtEl>
-                    <p:sldTgt/>
-                  </p:tgtEl>
-                </p:cond>
-              </p:prevCondLst>
-              <p:nextCondLst>
-                <p:cond evt="onNext">
-                  <p:tgtEl>
-                    <p:sldTgt/>
-                  </p:tgtEl>
-                </p:cond>
-              </p:nextCondLst>
-            </p:seq>
-          </p:childTnLst>
-        </p:cTn>
-      </p:par>
-    </p:tnLst>
-  </p:timing>
 </p:sld>
 </file>
 
-<file path=ppt/slides/slide12.xml><?xml version="1.0" encoding="utf-8"?>
+<file path=ppt/slides/slide13.xml><?xml version="1.0" encoding="utf-8"?>
 <p:sld xmlns:a="http://schemas.openxmlformats.org/drawingml/2006/main" xmlns:r="http://schemas.openxmlformats.org/officeDocument/2006/relationships" xmlns:mc="http://schemas.openxmlformats.org/markup-compatibility/2006" xmlns:mv="urn:schemas-microsoft-com:mac:vml" xmlns:p="http://schemas.openxmlformats.org/presentationml/2006/main" xmlns:c="http://schemas.openxmlformats.org/drawingml/2006/chart" xmlns:dgm="http://schemas.openxmlformats.org/drawingml/2006/diagram" xmlns:o="urn:schemas-microsoft-com:office:office" xmlns:v="urn:schemas-microsoft-com:vml" xmlns:pvml="urn:schemas-microsoft-com:office:powerpoint" xmlns:com="http://schemas.openxmlformats.org/drawingml/2006/compatibility" xmlns:p14="http://schemas.microsoft.com/office/powerpoint/2010/main" xmlns:p15="http://schemas.microsoft.com/office/powerpoint/2012/main" xmlns:ahyp="http://schemas.microsoft.com/office/drawing/2018/hyperlinkcolor">
   <p:cSld>
     <p:spTree>
       <p:nvGrpSpPr>
-        <p:cNvPr id="148" name="Shape 148"/>
+        <p:cNvPr id="160" name="Shape 160"/>
         <p:cNvGrpSpPr/>
         <p:nvPr/>
       </p:nvGrpSpPr>
@@ -12007,7 +11245,7 @@
       </p:grpSpPr>
       <p:sp>
         <p:nvSpPr>
-          <p:cNvPr id="149" name="Google Shape;149;p11"/>
+          <p:cNvPr id="161" name="Google Shape;161;g25850bf5d43_0_50"/>
           <p:cNvSpPr txBox="1"/>
           <p:nvPr>
             <p:ph type="title"/>
@@ -12021,10 +11259,6 @@
           <a:prstGeom prst="rect">
             <a:avLst/>
           </a:prstGeom>
-          <a:noFill/>
-          <a:ln>
-            <a:noFill/>
-          </a:ln>
         </p:spPr>
         <p:txBody>
           <a:bodyPr anchorCtr="0" anchor="b" bIns="91425" lIns="91425" spcFirstLastPara="1" rIns="91425" wrap="square" tIns="91425">
@@ -12033,21 +11267,17 @@
           <a:lstStyle/>
           <a:p>
             <a:pPr indent="0" lvl="0" marL="0" rtl="0" algn="l">
-              <a:lnSpc>
-                <a:spcPct val="100000"/>
-              </a:lnSpc>
-              <a:spcBef>
-                <a:spcPts val="0"/>
-              </a:spcBef>
-              <a:spcAft>
-                <a:spcPts val="0"/>
-              </a:spcAft>
-              <a:buSzPts val="4200"/>
+              <a:spcBef>
+                <a:spcPts val="0"/>
+              </a:spcBef>
+              <a:spcAft>
+                <a:spcPts val="0"/>
+              </a:spcAft>
               <a:buNone/>
             </a:pPr>
             <a:r>
               <a:rPr lang="en"/>
-              <a:t>Taylor approximation (at x = 0)</a:t>
+              <a:t>Indefinite Integrals</a:t>
             </a:r>
             <a:endParaRPr/>
           </a:p>
@@ -12055,7 +11285,7 @@
       </p:sp>
       <p:sp>
         <p:nvSpPr>
-          <p:cNvPr id="150" name="Google Shape;150;p11"/>
+          <p:cNvPr id="162" name="Google Shape;162;g25850bf5d43_0_50"/>
           <p:cNvSpPr txBox="1"/>
           <p:nvPr>
             <p:ph idx="1" type="body"/>
@@ -12064,15 +11294,11 @@
         <p:spPr>
           <a:xfrm>
             <a:off x="311700" y="1225225"/>
-            <a:ext cx="8520600" cy="400200"/>
+            <a:ext cx="3999900" cy="648000"/>
           </a:xfrm>
           <a:prstGeom prst="rect">
             <a:avLst/>
           </a:prstGeom>
-          <a:noFill/>
-          <a:ln>
-            <a:noFill/>
-          </a:ln>
         </p:spPr>
         <p:txBody>
           <a:bodyPr anchorCtr="0" anchor="t" bIns="91425" lIns="91425" spcFirstLastPara="1" rIns="91425" wrap="square" tIns="91425">
@@ -12081,21 +11307,25 @@
           <a:lstStyle/>
           <a:p>
             <a:pPr indent="0" lvl="0" marL="0" rtl="0" algn="l">
-              <a:lnSpc>
-                <a:spcPct val="115000"/>
-              </a:lnSpc>
-              <a:spcBef>
-                <a:spcPts val="0"/>
-              </a:spcBef>
-              <a:spcAft>
-                <a:spcPts val="1200"/>
-              </a:spcAft>
-              <a:buSzPts val="1400"/>
+              <a:spcBef>
+                <a:spcPts val="0"/>
+              </a:spcBef>
+              <a:spcAft>
+                <a:spcPts val="0"/>
+              </a:spcAft>
               <a:buNone/>
             </a:pPr>
             <a:r>
               <a:rPr lang="en"/>
-              <a:t>Let us try to approximate a function f(x) as a polynomial p(x). Thus, we treat f as a polynomial.</a:t>
+              <a:t>We can define an indefinite integral to be the </a:t>
+            </a:r>
+            <a:r>
+              <a:rPr lang="en"/>
+              <a:t>opposite</a:t>
+            </a:r>
+            <a:r>
+              <a:rPr lang="en"/>
+              <a:t> of a derivative.</a:t>
             </a:r>
             <a:endParaRPr/>
           </a:p>
@@ -12103,7 +11333,7 @@
       </p:sp>
       <p:sp>
         <p:nvSpPr>
-          <p:cNvPr id="151" name="Google Shape;151;p11"/>
+          <p:cNvPr id="163" name="Google Shape;163;g25850bf5d43_0_50"/>
           <p:cNvSpPr txBox="1"/>
           <p:nvPr>
             <p:ph idx="1" type="body"/>
@@ -12111,16 +11341,12 @@
         </p:nvSpPr>
         <p:spPr>
           <a:xfrm>
-            <a:off x="311700" y="1634125"/>
-            <a:ext cx="8520600" cy="400200"/>
+            <a:off x="311700" y="1873225"/>
+            <a:ext cx="3999900" cy="648000"/>
           </a:xfrm>
           <a:prstGeom prst="rect">
             <a:avLst/>
           </a:prstGeom>
-          <a:noFill/>
-          <a:ln>
-            <a:noFill/>
-          </a:ln>
         </p:spPr>
         <p:txBody>
           <a:bodyPr anchorCtr="0" anchor="t" bIns="91425" lIns="91425" spcFirstLastPara="1" rIns="91425" wrap="square" tIns="91425">
@@ -12129,37 +11355,17 @@
           <a:lstStyle/>
           <a:p>
             <a:pPr indent="0" lvl="0" marL="0" rtl="0" algn="l">
-              <a:lnSpc>
-                <a:spcPct val="115000"/>
-              </a:lnSpc>
-              <a:spcBef>
-                <a:spcPts val="0"/>
-              </a:spcBef>
-              <a:spcAft>
-                <a:spcPts val="1200"/>
-              </a:spcAft>
-              <a:buSzPts val="1400"/>
+              <a:spcBef>
+                <a:spcPts val="0"/>
+              </a:spcBef>
+              <a:spcAft>
+                <a:spcPts val="0"/>
+              </a:spcAft>
               <a:buNone/>
             </a:pPr>
             <a:r>
               <a:rPr lang="en"/>
-              <a:t>The polynomial is formed from many “monomial” terms c</a:t>
-            </a:r>
-            <a:r>
-              <a:rPr baseline="-25000" lang="en"/>
-              <a:t>a</a:t>
-            </a:r>
-            <a:r>
-              <a:rPr lang="en"/>
-              <a:t>x</a:t>
-            </a:r>
-            <a:r>
-              <a:rPr baseline="30000" lang="en"/>
-              <a:t>a</a:t>
-            </a:r>
-            <a:r>
-              <a:rPr lang="en"/>
-              <a:t>.</a:t>
+              <a:t>In other words, the indefinite integral F(x) of a function f(x) is defined such that F’(x) = f(x).</a:t>
             </a:r>
             <a:endParaRPr/>
           </a:p>
@@ -12167,7 +11373,7 @@
       </p:sp>
       <p:sp>
         <p:nvSpPr>
-          <p:cNvPr id="152" name="Google Shape;152;p11"/>
+          <p:cNvPr id="164" name="Google Shape;164;g25850bf5d43_0_50"/>
           <p:cNvSpPr txBox="1"/>
           <p:nvPr>
             <p:ph idx="1" type="body"/>
@@ -12175,16 +11381,12 @@
         </p:nvSpPr>
         <p:spPr>
           <a:xfrm>
-            <a:off x="361950" y="2020900"/>
-            <a:ext cx="3999900" cy="400200"/>
+            <a:off x="311700" y="2521225"/>
+            <a:ext cx="3999900" cy="1143600"/>
           </a:xfrm>
           <a:prstGeom prst="rect">
             <a:avLst/>
           </a:prstGeom>
-          <a:noFill/>
-          <a:ln>
-            <a:noFill/>
-          </a:ln>
         </p:spPr>
         <p:txBody>
           <a:bodyPr anchorCtr="0" anchor="t" bIns="91425" lIns="91425" spcFirstLastPara="1" rIns="91425" wrap="square" tIns="91425">
@@ -12193,181 +11395,17 @@
           <a:lstStyle/>
           <a:p>
             <a:pPr indent="0" lvl="0" marL="0" rtl="0" algn="l">
-              <a:lnSpc>
-                <a:spcPct val="115000"/>
-              </a:lnSpc>
-              <a:spcBef>
-                <a:spcPts val="0"/>
-              </a:spcBef>
-              <a:spcAft>
-                <a:spcPts val="1200"/>
-              </a:spcAft>
-              <a:buSzPts val="1400"/>
+              <a:spcBef>
+                <a:spcPts val="0"/>
+              </a:spcBef>
+              <a:spcAft>
+                <a:spcPts val="0"/>
+              </a:spcAft>
               <a:buNone/>
             </a:pPr>
             <a:r>
               <a:rPr lang="en"/>
-              <a:t>We know c</a:t>
-            </a:r>
-            <a:r>
-              <a:rPr baseline="-25000" lang="en"/>
-              <a:t>a </a:t>
-            </a:r>
-            <a:r>
-              <a:rPr lang="en"/>
-              <a:t>= f</a:t>
-            </a:r>
-            <a:r>
-              <a:rPr baseline="30000" lang="en"/>
-              <a:t>(a)</a:t>
-            </a:r>
-            <a:r>
-              <a:rPr lang="en"/>
-              <a:t>(0)/(a!), so c</a:t>
-            </a:r>
-            <a:r>
-              <a:rPr baseline="-25000" lang="en"/>
-              <a:t>a</a:t>
-            </a:r>
-            <a:r>
-              <a:rPr lang="en"/>
-              <a:t>x</a:t>
-            </a:r>
-            <a:r>
-              <a:rPr baseline="30000" lang="en"/>
-              <a:t>a</a:t>
-            </a:r>
-            <a:r>
-              <a:rPr lang="en"/>
-              <a:t> = [f</a:t>
-            </a:r>
-            <a:r>
-              <a:rPr baseline="30000" lang="en"/>
-              <a:t>(a)</a:t>
-            </a:r>
-            <a:r>
-              <a:rPr lang="en"/>
-              <a:t>(0)/(a!)]x</a:t>
-            </a:r>
-            <a:r>
-              <a:rPr baseline="30000" lang="en"/>
-              <a:t>a</a:t>
-            </a:r>
-            <a:r>
-              <a:rPr lang="en"/>
-              <a:t>.</a:t>
-            </a:r>
-            <a:endParaRPr/>
-          </a:p>
-        </p:txBody>
-      </p:sp>
-      <p:sp>
-        <p:nvSpPr>
-          <p:cNvPr id="153" name="Google Shape;153;p11"/>
-          <p:cNvSpPr txBox="1"/>
-          <p:nvPr>
-            <p:ph idx="1" type="body"/>
-          </p:nvPr>
-        </p:nvSpPr>
-        <p:spPr>
-          <a:xfrm>
-            <a:off x="361950" y="2421100"/>
-            <a:ext cx="7915800" cy="648000"/>
-          </a:xfrm>
-          <a:prstGeom prst="rect">
-            <a:avLst/>
-          </a:prstGeom>
-          <a:noFill/>
-          <a:ln>
-            <a:noFill/>
-          </a:ln>
-        </p:spPr>
-        <p:txBody>
-          <a:bodyPr anchorCtr="0" anchor="t" bIns="91425" lIns="91425" spcFirstLastPara="1" rIns="91425" wrap="square" tIns="91425">
-            <a:spAutoFit/>
-          </a:bodyPr>
-          <a:lstStyle/>
-          <a:p>
-            <a:pPr indent="0" lvl="0" marL="0" rtl="0" algn="l">
-              <a:lnSpc>
-                <a:spcPct val="115000"/>
-              </a:lnSpc>
-              <a:spcBef>
-                <a:spcPts val="0"/>
-              </a:spcBef>
-              <a:spcAft>
-                <a:spcPts val="1200"/>
-              </a:spcAft>
-              <a:buSzPts val="1400"/>
-              <a:buNone/>
-            </a:pPr>
-            <a:r>
-              <a:rPr lang="en"/>
-              <a:t>We can write out each and every term to get f(x) ≈ f(0) + f’(0)x + [1/2]f’’(0)x</a:t>
-            </a:r>
-            <a:r>
-              <a:rPr baseline="30000" lang="en"/>
-              <a:t>2</a:t>
-            </a:r>
-            <a:r>
-              <a:rPr lang="en"/>
-              <a:t> + [1/(3!)]f’’’(0)x</a:t>
-            </a:r>
-            <a:r>
-              <a:rPr baseline="30000" lang="en"/>
-              <a:t>3</a:t>
-            </a:r>
-            <a:r>
-              <a:rPr lang="en"/>
-              <a:t> . . . with more terms.</a:t>
-            </a:r>
-            <a:endParaRPr/>
-          </a:p>
-        </p:txBody>
-      </p:sp>
-      <p:sp>
-        <p:nvSpPr>
-          <p:cNvPr id="154" name="Google Shape;154;p11"/>
-          <p:cNvSpPr txBox="1"/>
-          <p:nvPr>
-            <p:ph idx="1" type="body"/>
-          </p:nvPr>
-        </p:nvSpPr>
-        <p:spPr>
-          <a:xfrm>
-            <a:off x="361950" y="3069100"/>
-            <a:ext cx="3999900" cy="895800"/>
-          </a:xfrm>
-          <a:prstGeom prst="rect">
-            <a:avLst/>
-          </a:prstGeom>
-          <a:noFill/>
-          <a:ln>
-            <a:noFill/>
-          </a:ln>
-        </p:spPr>
-        <p:txBody>
-          <a:bodyPr anchorCtr="0" anchor="t" bIns="91425" lIns="91425" spcFirstLastPara="1" rIns="91425" wrap="square" tIns="91425">
-            <a:spAutoFit/>
-          </a:bodyPr>
-          <a:lstStyle/>
-          <a:p>
-            <a:pPr indent="0" lvl="0" marL="0" rtl="0" algn="l">
-              <a:lnSpc>
-                <a:spcPct val="115000"/>
-              </a:lnSpc>
-              <a:spcBef>
-                <a:spcPts val="0"/>
-              </a:spcBef>
-              <a:spcAft>
-                <a:spcPts val="1200"/>
-              </a:spcAft>
-              <a:buSzPts val="1400"/>
-              <a:buNone/>
-            </a:pPr>
-            <a:r>
-              <a:rPr lang="en"/>
-              <a:t>This is called the Taylor expansion of f(x) at the value x = 0, also known as the Maclaurin series of a function.</a:t>
+              <a:t>However, there are multiple such F(x) such that F’(x) = f(x). Thus, we add a “+C” term to indicate that we can add any arbitrary constant to F(x) and F’(x) will still equal f(x).</a:t>
             </a:r>
             <a:endParaRPr/>
           </a:p>
@@ -12375,21 +11413,22 @@
       </p:sp>
       <p:pic>
         <p:nvPicPr>
-          <p:cNvPr id="155" name="Google Shape;155;p11"/>
+          <p:cNvPr id="165" name="Google Shape;165;g25850bf5d43_0_50"/>
           <p:cNvPicPr preferRelativeResize="0"/>
           <p:nvPr/>
         </p:nvPicPr>
-        <p:blipFill rotWithShape="1">
+        <p:blipFill>
           <a:blip r:embed="rId3">
             <a:alphaModFix/>
           </a:blip>
-          <a:srcRect b="0" l="0" r="0" t="0"/>
-          <a:stretch/>
+          <a:stretch>
+            <a:fillRect/>
+          </a:stretch>
         </p:blipFill>
         <p:spPr>
           <a:xfrm>
-            <a:off x="4361850" y="2816575"/>
-            <a:ext cx="4527600" cy="1842389"/>
+            <a:off x="4503375" y="726013"/>
+            <a:ext cx="3741700" cy="3691475"/>
           </a:xfrm>
           <a:prstGeom prst="rect">
             <a:avLst/>
@@ -12405,354 +11444,6 @@
   <p:clrMapOvr>
     <a:masterClrMapping/>
   </p:clrMapOvr>
-  <p:timing>
-    <p:tnLst>
-      <p:par>
-        <p:cTn dur="indefinite" nodeType="tmRoot" restart="never">
-          <p:childTnLst>
-            <p:seq concurrent="1" nextAc="seek">
-              <p:cTn dur="indefinite" id="2" nodeType="mainSeq">
-                <p:childTnLst>
-                  <p:par>
-                    <p:cTn fill="hold">
-                      <p:stCondLst>
-                        <p:cond delay="indefinite"/>
-                      </p:stCondLst>
-                      <p:childTnLst>
-                        <p:par>
-                          <p:cTn fill="hold">
-                            <p:stCondLst>
-                              <p:cond delay="0"/>
-                            </p:stCondLst>
-                            <p:childTnLst>
-                              <p:par>
-                                <p:cTn fill="hold" nodeType="clickEffect" presetClass="entr" presetID="10" presetSubtype="0">
-                                  <p:stCondLst>
-                                    <p:cond delay="0"/>
-                                  </p:stCondLst>
-                                  <p:childTnLst>
-                                    <p:set>
-                                      <p:cBhvr>
-                                        <p:cTn dur="1" fill="hold">
-                                          <p:stCondLst>
-                                            <p:cond delay="0"/>
-                                          </p:stCondLst>
-                                        </p:cTn>
-                                        <p:tgtEl>
-                                          <p:spTgt spid="150"/>
-                                        </p:tgtEl>
-                                        <p:attrNameLst>
-                                          <p:attrName>style.visibility</p:attrName>
-                                        </p:attrNameLst>
-                                      </p:cBhvr>
-                                      <p:to>
-                                        <p:strVal val="visible"/>
-                                      </p:to>
-                                    </p:set>
-                                    <p:animEffect filter="fade" transition="in">
-                                      <p:cBhvr>
-                                        <p:cTn dur="1000"/>
-                                        <p:tgtEl>
-                                          <p:spTgt spid="150"/>
-                                        </p:tgtEl>
-                                      </p:cBhvr>
-                                    </p:animEffect>
-                                  </p:childTnLst>
-                                </p:cTn>
-                              </p:par>
-                            </p:childTnLst>
-                          </p:cTn>
-                        </p:par>
-                      </p:childTnLst>
-                    </p:cTn>
-                  </p:par>
-                  <p:par>
-                    <p:cTn fill="hold">
-                      <p:stCondLst>
-                        <p:cond delay="indefinite"/>
-                      </p:stCondLst>
-                      <p:childTnLst>
-                        <p:par>
-                          <p:cTn fill="hold">
-                            <p:stCondLst>
-                              <p:cond delay="0"/>
-                            </p:stCondLst>
-                            <p:childTnLst>
-                              <p:par>
-                                <p:cTn fill="hold" nodeType="clickEffect" presetClass="entr" presetID="10" presetSubtype="0">
-                                  <p:stCondLst>
-                                    <p:cond delay="0"/>
-                                  </p:stCondLst>
-                                  <p:childTnLst>
-                                    <p:set>
-                                      <p:cBhvr>
-                                        <p:cTn dur="1" fill="hold">
-                                          <p:stCondLst>
-                                            <p:cond delay="0"/>
-                                          </p:stCondLst>
-                                        </p:cTn>
-                                        <p:tgtEl>
-                                          <p:spTgt spid="151"/>
-                                        </p:tgtEl>
-                                        <p:attrNameLst>
-                                          <p:attrName>style.visibility</p:attrName>
-                                        </p:attrNameLst>
-                                      </p:cBhvr>
-                                      <p:to>
-                                        <p:strVal val="visible"/>
-                                      </p:to>
-                                    </p:set>
-                                    <p:animEffect filter="fade" transition="in">
-                                      <p:cBhvr>
-                                        <p:cTn dur="1000"/>
-                                        <p:tgtEl>
-                                          <p:spTgt spid="151"/>
-                                        </p:tgtEl>
-                                      </p:cBhvr>
-                                    </p:animEffect>
-                                  </p:childTnLst>
-                                </p:cTn>
-                              </p:par>
-                            </p:childTnLst>
-                          </p:cTn>
-                        </p:par>
-                      </p:childTnLst>
-                    </p:cTn>
-                  </p:par>
-                  <p:par>
-                    <p:cTn fill="hold">
-                      <p:stCondLst>
-                        <p:cond delay="indefinite"/>
-                      </p:stCondLst>
-                      <p:childTnLst>
-                        <p:par>
-                          <p:cTn fill="hold">
-                            <p:stCondLst>
-                              <p:cond delay="0"/>
-                            </p:stCondLst>
-                            <p:childTnLst>
-                              <p:par>
-                                <p:cTn fill="hold" nodeType="clickEffect" presetClass="entr" presetID="10" presetSubtype="0">
-                                  <p:stCondLst>
-                                    <p:cond delay="0"/>
-                                  </p:stCondLst>
-                                  <p:childTnLst>
-                                    <p:set>
-                                      <p:cBhvr>
-                                        <p:cTn dur="1" fill="hold">
-                                          <p:stCondLst>
-                                            <p:cond delay="0"/>
-                                          </p:stCondLst>
-                                        </p:cTn>
-                                        <p:tgtEl>
-                                          <p:spTgt spid="152"/>
-                                        </p:tgtEl>
-                                        <p:attrNameLst>
-                                          <p:attrName>style.visibility</p:attrName>
-                                        </p:attrNameLst>
-                                      </p:cBhvr>
-                                      <p:to>
-                                        <p:strVal val="visible"/>
-                                      </p:to>
-                                    </p:set>
-                                    <p:animEffect filter="fade" transition="in">
-                                      <p:cBhvr>
-                                        <p:cTn dur="1000"/>
-                                        <p:tgtEl>
-                                          <p:spTgt spid="152"/>
-                                        </p:tgtEl>
-                                      </p:cBhvr>
-                                    </p:animEffect>
-                                  </p:childTnLst>
-                                </p:cTn>
-                              </p:par>
-                            </p:childTnLst>
-                          </p:cTn>
-                        </p:par>
-                      </p:childTnLst>
-                    </p:cTn>
-                  </p:par>
-                  <p:par>
-                    <p:cTn fill="hold">
-                      <p:stCondLst>
-                        <p:cond delay="indefinite"/>
-                      </p:stCondLst>
-                      <p:childTnLst>
-                        <p:par>
-                          <p:cTn fill="hold">
-                            <p:stCondLst>
-                              <p:cond delay="0"/>
-                            </p:stCondLst>
-                            <p:childTnLst>
-                              <p:par>
-                                <p:cTn fill="hold" nodeType="clickEffect" presetClass="entr" presetID="10" presetSubtype="0">
-                                  <p:stCondLst>
-                                    <p:cond delay="0"/>
-                                  </p:stCondLst>
-                                  <p:childTnLst>
-                                    <p:set>
-                                      <p:cBhvr>
-                                        <p:cTn dur="1" fill="hold">
-                                          <p:stCondLst>
-                                            <p:cond delay="0"/>
-                                          </p:stCondLst>
-                                        </p:cTn>
-                                        <p:tgtEl>
-                                          <p:spTgt spid="153"/>
-                                        </p:tgtEl>
-                                        <p:attrNameLst>
-                                          <p:attrName>style.visibility</p:attrName>
-                                        </p:attrNameLst>
-                                      </p:cBhvr>
-                                      <p:to>
-                                        <p:strVal val="visible"/>
-                                      </p:to>
-                                    </p:set>
-                                    <p:animEffect filter="fade" transition="in">
-                                      <p:cBhvr>
-                                        <p:cTn dur="1000"/>
-                                        <p:tgtEl>
-                                          <p:spTgt spid="153"/>
-                                        </p:tgtEl>
-                                      </p:cBhvr>
-                                    </p:animEffect>
-                                  </p:childTnLst>
-                                </p:cTn>
-                              </p:par>
-                            </p:childTnLst>
-                          </p:cTn>
-                        </p:par>
-                      </p:childTnLst>
-                    </p:cTn>
-                  </p:par>
-                  <p:par>
-                    <p:cTn fill="hold">
-                      <p:stCondLst>
-                        <p:cond delay="indefinite"/>
-                      </p:stCondLst>
-                      <p:childTnLst>
-                        <p:par>
-                          <p:cTn fill="hold">
-                            <p:stCondLst>
-                              <p:cond delay="0"/>
-                            </p:stCondLst>
-                            <p:childTnLst>
-                              <p:par>
-                                <p:cTn fill="hold" nodeType="clickEffect" presetClass="entr" presetID="10" presetSubtype="0">
-                                  <p:stCondLst>
-                                    <p:cond delay="0"/>
-                                  </p:stCondLst>
-                                  <p:childTnLst>
-                                    <p:set>
-                                      <p:cBhvr>
-                                        <p:cTn dur="1" fill="hold">
-                                          <p:stCondLst>
-                                            <p:cond delay="0"/>
-                                          </p:stCondLst>
-                                        </p:cTn>
-                                        <p:tgtEl>
-                                          <p:spTgt spid="154"/>
-                                        </p:tgtEl>
-                                        <p:attrNameLst>
-                                          <p:attrName>style.visibility</p:attrName>
-                                        </p:attrNameLst>
-                                      </p:cBhvr>
-                                      <p:to>
-                                        <p:strVal val="visible"/>
-                                      </p:to>
-                                    </p:set>
-                                    <p:animEffect filter="fade" transition="in">
-                                      <p:cBhvr>
-                                        <p:cTn dur="1000"/>
-                                        <p:tgtEl>
-                                          <p:spTgt spid="154"/>
-                                        </p:tgtEl>
-                                      </p:cBhvr>
-                                    </p:animEffect>
-                                  </p:childTnLst>
-                                </p:cTn>
-                              </p:par>
-                            </p:childTnLst>
-                          </p:cTn>
-                        </p:par>
-                      </p:childTnLst>
-                    </p:cTn>
-                  </p:par>
-                  <p:par>
-                    <p:cTn fill="hold">
-                      <p:stCondLst>
-                        <p:cond delay="indefinite"/>
-                      </p:stCondLst>
-                      <p:childTnLst>
-                        <p:par>
-                          <p:cTn fill="hold">
-                            <p:stCondLst>
-                              <p:cond delay="0"/>
-                            </p:stCondLst>
-                            <p:childTnLst>
-                              <p:par>
-                                <p:cTn fill="hold" nodeType="clickEffect" presetClass="entr" presetID="10" presetSubtype="0">
-                                  <p:stCondLst>
-                                    <p:cond delay="0"/>
-                                  </p:stCondLst>
-                                  <p:childTnLst>
-                                    <p:set>
-                                      <p:cBhvr>
-                                        <p:cTn dur="1" fill="hold">
-                                          <p:stCondLst>
-                                            <p:cond delay="0"/>
-                                          </p:stCondLst>
-                                        </p:cTn>
-                                        <p:tgtEl>
-                                          <p:spTgt spid="155"/>
-                                        </p:tgtEl>
-                                        <p:attrNameLst>
-                                          <p:attrName>style.visibility</p:attrName>
-                                        </p:attrNameLst>
-                                      </p:cBhvr>
-                                      <p:to>
-                                        <p:strVal val="visible"/>
-                                      </p:to>
-                                    </p:set>
-                                    <p:animEffect filter="fade" transition="in">
-                                      <p:cBhvr>
-                                        <p:cTn dur="1000"/>
-                                        <p:tgtEl>
-                                          <p:spTgt spid="155"/>
-                                        </p:tgtEl>
-                                      </p:cBhvr>
-                                    </p:animEffect>
-                                  </p:childTnLst>
-                                </p:cTn>
-                              </p:par>
-                            </p:childTnLst>
-                          </p:cTn>
-                        </p:par>
-                      </p:childTnLst>
-                    </p:cTn>
-                  </p:par>
-                </p:childTnLst>
-              </p:cTn>
-              <p:prevCondLst>
-                <p:cond evt="onPrev">
-                  <p:tgtEl>
-                    <p:sldTgt/>
-                  </p:tgtEl>
-                </p:cond>
-              </p:prevCondLst>
-              <p:nextCondLst>
-                <p:cond evt="onNext">
-                  <p:tgtEl>
-                    <p:sldTgt/>
-                  </p:tgtEl>
-                </p:cond>
-              </p:nextCondLst>
-            </p:seq>
-          </p:childTnLst>
-        </p:cTn>
-      </p:par>
-    </p:tnLst>
-  </p:timing>
 </p:sld>
 </file>
 
@@ -13166,354 +11857,6 @@
   <p:clrMapOvr>
     <a:masterClrMapping/>
   </p:clrMapOvr>
-  <p:timing>
-    <p:tnLst>
-      <p:par>
-        <p:cTn dur="indefinite" nodeType="tmRoot" restart="never">
-          <p:childTnLst>
-            <p:seq concurrent="1" nextAc="seek">
-              <p:cTn dur="indefinite" id="2" nodeType="mainSeq">
-                <p:childTnLst>
-                  <p:par>
-                    <p:cTn fill="hold">
-                      <p:stCondLst>
-                        <p:cond delay="indefinite"/>
-                      </p:stCondLst>
-                      <p:childTnLst>
-                        <p:par>
-                          <p:cTn fill="hold">
-                            <p:stCondLst>
-                              <p:cond delay="0"/>
-                            </p:stCondLst>
-                            <p:childTnLst>
-                              <p:par>
-                                <p:cTn fill="hold" nodeType="clickEffect" presetClass="entr" presetID="10" presetSubtype="0">
-                                  <p:stCondLst>
-                                    <p:cond delay="0"/>
-                                  </p:stCondLst>
-                                  <p:childTnLst>
-                                    <p:set>
-                                      <p:cBhvr>
-                                        <p:cTn dur="1" fill="hold">
-                                          <p:stCondLst>
-                                            <p:cond delay="0"/>
-                                          </p:stCondLst>
-                                        </p:cTn>
-                                        <p:tgtEl>
-                                          <p:spTgt spid="73"/>
-                                        </p:tgtEl>
-                                        <p:attrNameLst>
-                                          <p:attrName>style.visibility</p:attrName>
-                                        </p:attrNameLst>
-                                      </p:cBhvr>
-                                      <p:to>
-                                        <p:strVal val="visible"/>
-                                      </p:to>
-                                    </p:set>
-                                    <p:animEffect filter="fade" transition="in">
-                                      <p:cBhvr>
-                                        <p:cTn dur="1000"/>
-                                        <p:tgtEl>
-                                          <p:spTgt spid="73"/>
-                                        </p:tgtEl>
-                                      </p:cBhvr>
-                                    </p:animEffect>
-                                  </p:childTnLst>
-                                </p:cTn>
-                              </p:par>
-                            </p:childTnLst>
-                          </p:cTn>
-                        </p:par>
-                      </p:childTnLst>
-                    </p:cTn>
-                  </p:par>
-                  <p:par>
-                    <p:cTn fill="hold">
-                      <p:stCondLst>
-                        <p:cond delay="indefinite"/>
-                      </p:stCondLst>
-                      <p:childTnLst>
-                        <p:par>
-                          <p:cTn fill="hold">
-                            <p:stCondLst>
-                              <p:cond delay="0"/>
-                            </p:stCondLst>
-                            <p:childTnLst>
-                              <p:par>
-                                <p:cTn fill="hold" nodeType="clickEffect" presetClass="entr" presetID="10" presetSubtype="0">
-                                  <p:stCondLst>
-                                    <p:cond delay="0"/>
-                                  </p:stCondLst>
-                                  <p:childTnLst>
-                                    <p:set>
-                                      <p:cBhvr>
-                                        <p:cTn dur="1" fill="hold">
-                                          <p:stCondLst>
-                                            <p:cond delay="0"/>
-                                          </p:stCondLst>
-                                        </p:cTn>
-                                        <p:tgtEl>
-                                          <p:spTgt spid="74"/>
-                                        </p:tgtEl>
-                                        <p:attrNameLst>
-                                          <p:attrName>style.visibility</p:attrName>
-                                        </p:attrNameLst>
-                                      </p:cBhvr>
-                                      <p:to>
-                                        <p:strVal val="visible"/>
-                                      </p:to>
-                                    </p:set>
-                                    <p:animEffect filter="fade" transition="in">
-                                      <p:cBhvr>
-                                        <p:cTn dur="1000"/>
-                                        <p:tgtEl>
-                                          <p:spTgt spid="74"/>
-                                        </p:tgtEl>
-                                      </p:cBhvr>
-                                    </p:animEffect>
-                                  </p:childTnLst>
-                                </p:cTn>
-                              </p:par>
-                            </p:childTnLst>
-                          </p:cTn>
-                        </p:par>
-                      </p:childTnLst>
-                    </p:cTn>
-                  </p:par>
-                  <p:par>
-                    <p:cTn fill="hold">
-                      <p:stCondLst>
-                        <p:cond delay="indefinite"/>
-                      </p:stCondLst>
-                      <p:childTnLst>
-                        <p:par>
-                          <p:cTn fill="hold">
-                            <p:stCondLst>
-                              <p:cond delay="0"/>
-                            </p:stCondLst>
-                            <p:childTnLst>
-                              <p:par>
-                                <p:cTn fill="hold" nodeType="clickEffect" presetClass="entr" presetID="10" presetSubtype="0">
-                                  <p:stCondLst>
-                                    <p:cond delay="0"/>
-                                  </p:stCondLst>
-                                  <p:childTnLst>
-                                    <p:set>
-                                      <p:cBhvr>
-                                        <p:cTn dur="1" fill="hold">
-                                          <p:stCondLst>
-                                            <p:cond delay="0"/>
-                                          </p:stCondLst>
-                                        </p:cTn>
-                                        <p:tgtEl>
-                                          <p:spTgt spid="75"/>
-                                        </p:tgtEl>
-                                        <p:attrNameLst>
-                                          <p:attrName>style.visibility</p:attrName>
-                                        </p:attrNameLst>
-                                      </p:cBhvr>
-                                      <p:to>
-                                        <p:strVal val="visible"/>
-                                      </p:to>
-                                    </p:set>
-                                    <p:animEffect filter="fade" transition="in">
-                                      <p:cBhvr>
-                                        <p:cTn dur="1000"/>
-                                        <p:tgtEl>
-                                          <p:spTgt spid="75"/>
-                                        </p:tgtEl>
-                                      </p:cBhvr>
-                                    </p:animEffect>
-                                  </p:childTnLst>
-                                </p:cTn>
-                              </p:par>
-                            </p:childTnLst>
-                          </p:cTn>
-                        </p:par>
-                      </p:childTnLst>
-                    </p:cTn>
-                  </p:par>
-                  <p:par>
-                    <p:cTn fill="hold">
-                      <p:stCondLst>
-                        <p:cond delay="indefinite"/>
-                      </p:stCondLst>
-                      <p:childTnLst>
-                        <p:par>
-                          <p:cTn fill="hold">
-                            <p:stCondLst>
-                              <p:cond delay="0"/>
-                            </p:stCondLst>
-                            <p:childTnLst>
-                              <p:par>
-                                <p:cTn fill="hold" nodeType="clickEffect" presetClass="entr" presetID="10" presetSubtype="0">
-                                  <p:stCondLst>
-                                    <p:cond delay="0"/>
-                                  </p:stCondLst>
-                                  <p:childTnLst>
-                                    <p:set>
-                                      <p:cBhvr>
-                                        <p:cTn dur="1" fill="hold">
-                                          <p:stCondLst>
-                                            <p:cond delay="0"/>
-                                          </p:stCondLst>
-                                        </p:cTn>
-                                        <p:tgtEl>
-                                          <p:spTgt spid="77"/>
-                                        </p:tgtEl>
-                                        <p:attrNameLst>
-                                          <p:attrName>style.visibility</p:attrName>
-                                        </p:attrNameLst>
-                                      </p:cBhvr>
-                                      <p:to>
-                                        <p:strVal val="visible"/>
-                                      </p:to>
-                                    </p:set>
-                                    <p:animEffect filter="fade" transition="in">
-                                      <p:cBhvr>
-                                        <p:cTn dur="1000"/>
-                                        <p:tgtEl>
-                                          <p:spTgt spid="77"/>
-                                        </p:tgtEl>
-                                      </p:cBhvr>
-                                    </p:animEffect>
-                                  </p:childTnLst>
-                                </p:cTn>
-                              </p:par>
-                            </p:childTnLst>
-                          </p:cTn>
-                        </p:par>
-                      </p:childTnLst>
-                    </p:cTn>
-                  </p:par>
-                  <p:par>
-                    <p:cTn fill="hold">
-                      <p:stCondLst>
-                        <p:cond delay="indefinite"/>
-                      </p:stCondLst>
-                      <p:childTnLst>
-                        <p:par>
-                          <p:cTn fill="hold">
-                            <p:stCondLst>
-                              <p:cond delay="0"/>
-                            </p:stCondLst>
-                            <p:childTnLst>
-                              <p:par>
-                                <p:cTn fill="hold" nodeType="clickEffect" presetClass="entr" presetID="10" presetSubtype="0">
-                                  <p:stCondLst>
-                                    <p:cond delay="0"/>
-                                  </p:stCondLst>
-                                  <p:childTnLst>
-                                    <p:set>
-                                      <p:cBhvr>
-                                        <p:cTn dur="1" fill="hold">
-                                          <p:stCondLst>
-                                            <p:cond delay="0"/>
-                                          </p:stCondLst>
-                                        </p:cTn>
-                                        <p:tgtEl>
-                                          <p:spTgt spid="76"/>
-                                        </p:tgtEl>
-                                        <p:attrNameLst>
-                                          <p:attrName>style.visibility</p:attrName>
-                                        </p:attrNameLst>
-                                      </p:cBhvr>
-                                      <p:to>
-                                        <p:strVal val="visible"/>
-                                      </p:to>
-                                    </p:set>
-                                    <p:animEffect filter="fade" transition="in">
-                                      <p:cBhvr>
-                                        <p:cTn dur="1000"/>
-                                        <p:tgtEl>
-                                          <p:spTgt spid="76"/>
-                                        </p:tgtEl>
-                                      </p:cBhvr>
-                                    </p:animEffect>
-                                  </p:childTnLst>
-                                </p:cTn>
-                              </p:par>
-                            </p:childTnLst>
-                          </p:cTn>
-                        </p:par>
-                      </p:childTnLst>
-                    </p:cTn>
-                  </p:par>
-                  <p:par>
-                    <p:cTn fill="hold">
-                      <p:stCondLst>
-                        <p:cond delay="indefinite"/>
-                      </p:stCondLst>
-                      <p:childTnLst>
-                        <p:par>
-                          <p:cTn fill="hold">
-                            <p:stCondLst>
-                              <p:cond delay="0"/>
-                            </p:stCondLst>
-                            <p:childTnLst>
-                              <p:par>
-                                <p:cTn fill="hold" nodeType="clickEffect" presetClass="entr" presetID="10" presetSubtype="0">
-                                  <p:stCondLst>
-                                    <p:cond delay="0"/>
-                                  </p:stCondLst>
-                                  <p:childTnLst>
-                                    <p:set>
-                                      <p:cBhvr>
-                                        <p:cTn dur="1" fill="hold">
-                                          <p:stCondLst>
-                                            <p:cond delay="0"/>
-                                          </p:stCondLst>
-                                        </p:cTn>
-                                        <p:tgtEl>
-                                          <p:spTgt spid="78"/>
-                                        </p:tgtEl>
-                                        <p:attrNameLst>
-                                          <p:attrName>style.visibility</p:attrName>
-                                        </p:attrNameLst>
-                                      </p:cBhvr>
-                                      <p:to>
-                                        <p:strVal val="visible"/>
-                                      </p:to>
-                                    </p:set>
-                                    <p:animEffect filter="fade" transition="in">
-                                      <p:cBhvr>
-                                        <p:cTn dur="1000"/>
-                                        <p:tgtEl>
-                                          <p:spTgt spid="78"/>
-                                        </p:tgtEl>
-                                      </p:cBhvr>
-                                    </p:animEffect>
-                                  </p:childTnLst>
-                                </p:cTn>
-                              </p:par>
-                            </p:childTnLst>
-                          </p:cTn>
-                        </p:par>
-                      </p:childTnLst>
-                    </p:cTn>
-                  </p:par>
-                </p:childTnLst>
-              </p:cTn>
-              <p:prevCondLst>
-                <p:cond evt="onPrev">
-                  <p:tgtEl>
-                    <p:sldTgt/>
-                  </p:tgtEl>
-                </p:cond>
-              </p:prevCondLst>
-              <p:nextCondLst>
-                <p:cond evt="onNext">
-                  <p:tgtEl>
-                    <p:sldTgt/>
-                  </p:tgtEl>
-                </p:cond>
-              </p:nextCondLst>
-            </p:seq>
-          </p:childTnLst>
-        </p:cTn>
-      </p:par>
-    </p:tnLst>
-  </p:timing>
 </p:sld>
 </file>
 
@@ -13710,195 +12053,6 @@
   <p:clrMapOvr>
     <a:masterClrMapping/>
   </p:clrMapOvr>
-  <p:timing>
-    <p:tnLst>
-      <p:par>
-        <p:cTn dur="indefinite" nodeType="tmRoot" restart="never">
-          <p:childTnLst>
-            <p:seq concurrent="1" nextAc="seek">
-              <p:cTn dur="indefinite" id="2" nodeType="mainSeq">
-                <p:childTnLst>
-                  <p:par>
-                    <p:cTn fill="hold">
-                      <p:stCondLst>
-                        <p:cond delay="indefinite"/>
-                      </p:stCondLst>
-                      <p:childTnLst>
-                        <p:par>
-                          <p:cTn fill="hold">
-                            <p:stCondLst>
-                              <p:cond delay="0"/>
-                            </p:stCondLst>
-                            <p:childTnLst>
-                              <p:par>
-                                <p:cTn fill="hold" nodeType="clickEffect" presetClass="entr" presetID="10" presetSubtype="0">
-                                  <p:stCondLst>
-                                    <p:cond delay="0"/>
-                                  </p:stCondLst>
-                                  <p:childTnLst>
-                                    <p:set>
-                                      <p:cBhvr>
-                                        <p:cTn dur="1" fill="hold">
-                                          <p:stCondLst>
-                                            <p:cond delay="0"/>
-                                          </p:stCondLst>
-                                        </p:cTn>
-                                        <p:tgtEl>
-                                          <p:spTgt spid="84"/>
-                                        </p:tgtEl>
-                                        <p:attrNameLst>
-                                          <p:attrName>style.visibility</p:attrName>
-                                        </p:attrNameLst>
-                                      </p:cBhvr>
-                                      <p:to>
-                                        <p:strVal val="visible"/>
-                                      </p:to>
-                                    </p:set>
-                                    <p:animEffect filter="fade" transition="in">
-                                      <p:cBhvr>
-                                        <p:cTn dur="1000"/>
-                                        <p:tgtEl>
-                                          <p:spTgt spid="84"/>
-                                        </p:tgtEl>
-                                      </p:cBhvr>
-                                    </p:animEffect>
-                                  </p:childTnLst>
-                                </p:cTn>
-                              </p:par>
-                            </p:childTnLst>
-                          </p:cTn>
-                        </p:par>
-                      </p:childTnLst>
-                    </p:cTn>
-                  </p:par>
-                  <p:par>
-                    <p:cTn fill="hold">
-                      <p:stCondLst>
-                        <p:cond delay="indefinite"/>
-                      </p:stCondLst>
-                      <p:childTnLst>
-                        <p:par>
-                          <p:cTn fill="hold">
-                            <p:stCondLst>
-                              <p:cond delay="0"/>
-                            </p:stCondLst>
-                            <p:childTnLst>
-                              <p:par>
-                                <p:cTn fill="hold" nodeType="clickEffect" presetClass="entr" presetID="10" presetSubtype="0">
-                                  <p:stCondLst>
-                                    <p:cond delay="0"/>
-                                  </p:stCondLst>
-                                  <p:childTnLst>
-                                    <p:set>
-                                      <p:cBhvr>
-                                        <p:cTn dur="1" fill="hold">
-                                          <p:stCondLst>
-                                            <p:cond delay="0"/>
-                                          </p:stCondLst>
-                                        </p:cTn>
-                                        <p:tgtEl>
-                                          <p:spTgt spid="86"/>
-                                        </p:tgtEl>
-                                        <p:attrNameLst>
-                                          <p:attrName>style.visibility</p:attrName>
-                                        </p:attrNameLst>
-                                      </p:cBhvr>
-                                      <p:to>
-                                        <p:strVal val="visible"/>
-                                      </p:to>
-                                    </p:set>
-                                    <p:animEffect filter="fade" transition="in">
-                                      <p:cBhvr>
-                                        <p:cTn dur="1000"/>
-                                        <p:tgtEl>
-                                          <p:spTgt spid="86"/>
-                                        </p:tgtEl>
-                                      </p:cBhvr>
-                                    </p:animEffect>
-                                  </p:childTnLst>
-                                </p:cTn>
-                              </p:par>
-                            </p:childTnLst>
-                          </p:cTn>
-                        </p:par>
-                      </p:childTnLst>
-                    </p:cTn>
-                  </p:par>
-                  <p:par>
-                    <p:cTn fill="hold">
-                      <p:stCondLst>
-                        <p:cond delay="indefinite"/>
-                      </p:stCondLst>
-                      <p:childTnLst>
-                        <p:par>
-                          <p:cTn fill="hold">
-                            <p:stCondLst>
-                              <p:cond delay="0"/>
-                            </p:stCondLst>
-                            <p:childTnLst>
-                              <p:par>
-                                <p:cTn fill="hold" nodeType="clickEffect" presetClass="entr" presetID="10" presetSubtype="0">
-                                  <p:stCondLst>
-                                    <p:cond delay="0"/>
-                                  </p:stCondLst>
-                                  <p:childTnLst>
-                                    <p:set>
-                                      <p:cBhvr>
-                                        <p:cTn dur="1" fill="hold">
-                                          <p:stCondLst>
-                                            <p:cond delay="0"/>
-                                          </p:stCondLst>
-                                        </p:cTn>
-                                        <p:tgtEl>
-                                          <p:spTgt spid="85"/>
-                                        </p:tgtEl>
-                                        <p:attrNameLst>
-                                          <p:attrName>style.visibility</p:attrName>
-                                        </p:attrNameLst>
-                                      </p:cBhvr>
-                                      <p:to>
-                                        <p:strVal val="visible"/>
-                                      </p:to>
-                                    </p:set>
-                                    <p:animEffect filter="fade" transition="in">
-                                      <p:cBhvr>
-                                        <p:cTn dur="1000"/>
-                                        <p:tgtEl>
-                                          <p:spTgt spid="85"/>
-                                        </p:tgtEl>
-                                      </p:cBhvr>
-                                    </p:animEffect>
-                                  </p:childTnLst>
-                                </p:cTn>
-                              </p:par>
-                            </p:childTnLst>
-                          </p:cTn>
-                        </p:par>
-                      </p:childTnLst>
-                    </p:cTn>
-                  </p:par>
-                </p:childTnLst>
-              </p:cTn>
-              <p:prevCondLst>
-                <p:cond evt="onPrev">
-                  <p:tgtEl>
-                    <p:sldTgt/>
-                  </p:tgtEl>
-                </p:cond>
-              </p:prevCondLst>
-              <p:nextCondLst>
-                <p:cond evt="onNext">
-                  <p:tgtEl>
-                    <p:sldTgt/>
-                  </p:tgtEl>
-                </p:cond>
-              </p:nextCondLst>
-            </p:seq>
-          </p:childTnLst>
-        </p:cTn>
-      </p:par>
-    </p:tnLst>
-  </p:timing>
 </p:sld>
 </file>
 
@@ -14026,7 +12180,7 @@
         <p:spPr>
           <a:xfrm>
             <a:off x="311700" y="1625425"/>
-            <a:ext cx="3999900" cy="895800"/>
+            <a:ext cx="4834500" cy="895800"/>
           </a:xfrm>
           <a:prstGeom prst="rect">
             <a:avLst/>
@@ -14074,7 +12228,7 @@
         <p:spPr>
           <a:xfrm>
             <a:off x="311700" y="2521225"/>
-            <a:ext cx="3999900" cy="648000"/>
+            <a:ext cx="4834500" cy="400200"/>
           </a:xfrm>
           <a:prstGeom prst="rect">
             <a:avLst/>
@@ -14121,8 +12275,8 @@
         </p:nvSpPr>
         <p:spPr>
           <a:xfrm>
-            <a:off x="311700" y="3169225"/>
-            <a:ext cx="3999900" cy="895800"/>
+            <a:off x="311700" y="2999425"/>
+            <a:ext cx="4834500" cy="648000"/>
           </a:xfrm>
           <a:prstGeom prst="rect">
             <a:avLst/>
@@ -14169,8 +12323,8 @@
         </p:nvSpPr>
         <p:spPr>
           <a:xfrm>
-            <a:off x="311700" y="4065025"/>
-            <a:ext cx="3999900" cy="648000"/>
+            <a:off x="311700" y="3647425"/>
+            <a:ext cx="4834500" cy="648000"/>
           </a:xfrm>
           <a:prstGeom prst="rect">
             <a:avLst/>
@@ -14222,7 +12376,7 @@
         </p:blipFill>
         <p:spPr>
           <a:xfrm>
-            <a:off x="4464000" y="1299625"/>
+            <a:off x="5146300" y="999488"/>
             <a:ext cx="3565342" cy="3691474"/>
           </a:xfrm>
           <a:prstGeom prst="rect">
@@ -14234,359 +12388,59 @@
           </a:ln>
         </p:spPr>
       </p:pic>
+      <p:sp>
+        <p:nvSpPr>
+          <p:cNvPr id="98" name="Google Shape;98;p5"/>
+          <p:cNvSpPr txBox="1"/>
+          <p:nvPr>
+            <p:ph idx="1" type="body"/>
+          </p:nvPr>
+        </p:nvSpPr>
+        <p:spPr>
+          <a:xfrm>
+            <a:off x="311700" y="4295425"/>
+            <a:ext cx="4834500" cy="648000"/>
+          </a:xfrm>
+          <a:prstGeom prst="rect">
+            <a:avLst/>
+          </a:prstGeom>
+          <a:noFill/>
+          <a:ln>
+            <a:noFill/>
+          </a:ln>
+        </p:spPr>
+        <p:txBody>
+          <a:bodyPr anchorCtr="0" anchor="t" bIns="91425" lIns="91425" spcFirstLastPara="1" rIns="91425" wrap="square" tIns="91425">
+            <a:spAutoFit/>
+          </a:bodyPr>
+          <a:lstStyle/>
+          <a:p>
+            <a:pPr indent="0" lvl="0" marL="0" rtl="0" algn="l">
+              <a:lnSpc>
+                <a:spcPct val="115000"/>
+              </a:lnSpc>
+              <a:spcBef>
+                <a:spcPts val="0"/>
+              </a:spcBef>
+              <a:spcAft>
+                <a:spcPts val="1200"/>
+              </a:spcAft>
+              <a:buSzPts val="1400"/>
+              <a:buNone/>
+            </a:pPr>
+            <a:r>
+              <a:rPr lang="en"/>
+              <a:t>We can denote the derivative of a function f at a point a to be f’(a).</a:t>
+            </a:r>
+            <a:endParaRPr/>
+          </a:p>
+        </p:txBody>
+      </p:sp>
     </p:spTree>
   </p:cSld>
   <p:clrMapOvr>
     <a:masterClrMapping/>
   </p:clrMapOvr>
-  <p:timing>
-    <p:tnLst>
-      <p:par>
-        <p:cTn dur="indefinite" nodeType="tmRoot" restart="never">
-          <p:childTnLst>
-            <p:seq concurrent="1" nextAc="seek">
-              <p:cTn dur="indefinite" id="2" nodeType="mainSeq">
-                <p:childTnLst>
-                  <p:par>
-                    <p:cTn fill="hold">
-                      <p:stCondLst>
-                        <p:cond delay="indefinite"/>
-                      </p:stCondLst>
-                      <p:childTnLst>
-                        <p:par>
-                          <p:cTn fill="hold">
-                            <p:stCondLst>
-                              <p:cond delay="0"/>
-                            </p:stCondLst>
-                            <p:childTnLst>
-                              <p:par>
-                                <p:cTn fill="hold" nodeType="clickEffect" presetClass="entr" presetID="10" presetSubtype="0">
-                                  <p:stCondLst>
-                                    <p:cond delay="0"/>
-                                  </p:stCondLst>
-                                  <p:childTnLst>
-                                    <p:set>
-                                      <p:cBhvr>
-                                        <p:cTn dur="1" fill="hold">
-                                          <p:stCondLst>
-                                            <p:cond delay="0"/>
-                                          </p:stCondLst>
-                                        </p:cTn>
-                                        <p:tgtEl>
-                                          <p:spTgt spid="92"/>
-                                        </p:tgtEl>
-                                        <p:attrNameLst>
-                                          <p:attrName>style.visibility</p:attrName>
-                                        </p:attrNameLst>
-                                      </p:cBhvr>
-                                      <p:to>
-                                        <p:strVal val="visible"/>
-                                      </p:to>
-                                    </p:set>
-                                    <p:animEffect filter="fade" transition="in">
-                                      <p:cBhvr>
-                                        <p:cTn dur="1000"/>
-                                        <p:tgtEl>
-                                          <p:spTgt spid="92"/>
-                                        </p:tgtEl>
-                                      </p:cBhvr>
-                                    </p:animEffect>
-                                  </p:childTnLst>
-                                </p:cTn>
-                              </p:par>
-                            </p:childTnLst>
-                          </p:cTn>
-                        </p:par>
-                      </p:childTnLst>
-                    </p:cTn>
-                  </p:par>
-                  <p:par>
-                    <p:cTn fill="hold">
-                      <p:stCondLst>
-                        <p:cond delay="indefinite"/>
-                      </p:stCondLst>
-                      <p:childTnLst>
-                        <p:par>
-                          <p:cTn fill="hold">
-                            <p:stCondLst>
-                              <p:cond delay="0"/>
-                            </p:stCondLst>
-                            <p:childTnLst>
-                              <p:par>
-                                <p:cTn fill="hold" nodeType="clickEffect" presetClass="entr" presetID="10" presetSubtype="0">
-                                  <p:stCondLst>
-                                    <p:cond delay="0"/>
-                                  </p:stCondLst>
-                                  <p:childTnLst>
-                                    <p:set>
-                                      <p:cBhvr>
-                                        <p:cTn dur="1" fill="hold">
-                                          <p:stCondLst>
-                                            <p:cond delay="0"/>
-                                          </p:stCondLst>
-                                        </p:cTn>
-                                        <p:tgtEl>
-                                          <p:spTgt spid="93"/>
-                                        </p:tgtEl>
-                                        <p:attrNameLst>
-                                          <p:attrName>style.visibility</p:attrName>
-                                        </p:attrNameLst>
-                                      </p:cBhvr>
-                                      <p:to>
-                                        <p:strVal val="visible"/>
-                                      </p:to>
-                                    </p:set>
-                                    <p:animEffect filter="fade" transition="in">
-                                      <p:cBhvr>
-                                        <p:cTn dur="1000"/>
-                                        <p:tgtEl>
-                                          <p:spTgt spid="93"/>
-                                        </p:tgtEl>
-                                      </p:cBhvr>
-                                    </p:animEffect>
-                                  </p:childTnLst>
-                                </p:cTn>
-                              </p:par>
-                            </p:childTnLst>
-                          </p:cTn>
-                        </p:par>
-                      </p:childTnLst>
-                    </p:cTn>
-                  </p:par>
-                  <p:par>
-                    <p:cTn fill="hold">
-                      <p:stCondLst>
-                        <p:cond delay="indefinite"/>
-                      </p:stCondLst>
-                      <p:childTnLst>
-                        <p:par>
-                          <p:cTn fill="hold">
-                            <p:stCondLst>
-                              <p:cond delay="0"/>
-                            </p:stCondLst>
-                            <p:childTnLst>
-                              <p:par>
-                                <p:cTn fill="hold" nodeType="clickEffect" presetClass="entr" presetID="10" presetSubtype="0">
-                                  <p:stCondLst>
-                                    <p:cond delay="0"/>
-                                  </p:stCondLst>
-                                  <p:childTnLst>
-                                    <p:set>
-                                      <p:cBhvr>
-                                        <p:cTn dur="1" fill="hold">
-                                          <p:stCondLst>
-                                            <p:cond delay="0"/>
-                                          </p:stCondLst>
-                                        </p:cTn>
-                                        <p:tgtEl>
-                                          <p:spTgt spid="94"/>
-                                        </p:tgtEl>
-                                        <p:attrNameLst>
-                                          <p:attrName>style.visibility</p:attrName>
-                                        </p:attrNameLst>
-                                      </p:cBhvr>
-                                      <p:to>
-                                        <p:strVal val="visible"/>
-                                      </p:to>
-                                    </p:set>
-                                    <p:animEffect filter="fade" transition="in">
-                                      <p:cBhvr>
-                                        <p:cTn dur="1000"/>
-                                        <p:tgtEl>
-                                          <p:spTgt spid="94"/>
-                                        </p:tgtEl>
-                                      </p:cBhvr>
-                                    </p:animEffect>
-                                  </p:childTnLst>
-                                </p:cTn>
-                              </p:par>
-                            </p:childTnLst>
-                          </p:cTn>
-                        </p:par>
-                      </p:childTnLst>
-                    </p:cTn>
-                  </p:par>
-                  <p:par>
-                    <p:cTn fill="hold">
-                      <p:stCondLst>
-                        <p:cond delay="indefinite"/>
-                      </p:stCondLst>
-                      <p:childTnLst>
-                        <p:par>
-                          <p:cTn fill="hold">
-                            <p:stCondLst>
-                              <p:cond delay="0"/>
-                            </p:stCondLst>
-                            <p:childTnLst>
-                              <p:par>
-                                <p:cTn fill="hold" nodeType="clickEffect" presetClass="entr" presetID="10" presetSubtype="0">
-                                  <p:stCondLst>
-                                    <p:cond delay="0"/>
-                                  </p:stCondLst>
-                                  <p:childTnLst>
-                                    <p:set>
-                                      <p:cBhvr>
-                                        <p:cTn dur="1" fill="hold">
-                                          <p:stCondLst>
-                                            <p:cond delay="0"/>
-                                          </p:stCondLst>
-                                        </p:cTn>
-                                        <p:tgtEl>
-                                          <p:spTgt spid="97"/>
-                                        </p:tgtEl>
-                                        <p:attrNameLst>
-                                          <p:attrName>style.visibility</p:attrName>
-                                        </p:attrNameLst>
-                                      </p:cBhvr>
-                                      <p:to>
-                                        <p:strVal val="visible"/>
-                                      </p:to>
-                                    </p:set>
-                                    <p:animEffect filter="fade" transition="in">
-                                      <p:cBhvr>
-                                        <p:cTn dur="1000"/>
-                                        <p:tgtEl>
-                                          <p:spTgt spid="97"/>
-                                        </p:tgtEl>
-                                      </p:cBhvr>
-                                    </p:animEffect>
-                                  </p:childTnLst>
-                                </p:cTn>
-                              </p:par>
-                            </p:childTnLst>
-                          </p:cTn>
-                        </p:par>
-                      </p:childTnLst>
-                    </p:cTn>
-                  </p:par>
-                  <p:par>
-                    <p:cTn fill="hold">
-                      <p:stCondLst>
-                        <p:cond delay="indefinite"/>
-                      </p:stCondLst>
-                      <p:childTnLst>
-                        <p:par>
-                          <p:cTn fill="hold">
-                            <p:stCondLst>
-                              <p:cond delay="0"/>
-                            </p:stCondLst>
-                            <p:childTnLst>
-                              <p:par>
-                                <p:cTn fill="hold" nodeType="clickEffect" presetClass="entr" presetID="10" presetSubtype="0">
-                                  <p:stCondLst>
-                                    <p:cond delay="0"/>
-                                  </p:stCondLst>
-                                  <p:childTnLst>
-                                    <p:set>
-                                      <p:cBhvr>
-                                        <p:cTn dur="1" fill="hold">
-                                          <p:stCondLst>
-                                            <p:cond delay="0"/>
-                                          </p:stCondLst>
-                                        </p:cTn>
-                                        <p:tgtEl>
-                                          <p:spTgt spid="95"/>
-                                        </p:tgtEl>
-                                        <p:attrNameLst>
-                                          <p:attrName>style.visibility</p:attrName>
-                                        </p:attrNameLst>
-                                      </p:cBhvr>
-                                      <p:to>
-                                        <p:strVal val="visible"/>
-                                      </p:to>
-                                    </p:set>
-                                    <p:animEffect filter="fade" transition="in">
-                                      <p:cBhvr>
-                                        <p:cTn dur="1000"/>
-                                        <p:tgtEl>
-                                          <p:spTgt spid="95"/>
-                                        </p:tgtEl>
-                                      </p:cBhvr>
-                                    </p:animEffect>
-                                  </p:childTnLst>
-                                </p:cTn>
-                              </p:par>
-                            </p:childTnLst>
-                          </p:cTn>
-                        </p:par>
-                      </p:childTnLst>
-                    </p:cTn>
-                  </p:par>
-                  <p:par>
-                    <p:cTn fill="hold">
-                      <p:stCondLst>
-                        <p:cond delay="indefinite"/>
-                      </p:stCondLst>
-                      <p:childTnLst>
-                        <p:par>
-                          <p:cTn fill="hold">
-                            <p:stCondLst>
-                              <p:cond delay="0"/>
-                            </p:stCondLst>
-                            <p:childTnLst>
-                              <p:par>
-                                <p:cTn fill="hold" nodeType="clickEffect" presetClass="entr" presetID="10" presetSubtype="0">
-                                  <p:stCondLst>
-                                    <p:cond delay="0"/>
-                                  </p:stCondLst>
-                                  <p:childTnLst>
-                                    <p:set>
-                                      <p:cBhvr>
-                                        <p:cTn dur="1" fill="hold">
-                                          <p:stCondLst>
-                                            <p:cond delay="0"/>
-                                          </p:stCondLst>
-                                        </p:cTn>
-                                        <p:tgtEl>
-                                          <p:spTgt spid="96"/>
-                                        </p:tgtEl>
-                                        <p:attrNameLst>
-                                          <p:attrName>style.visibility</p:attrName>
-                                        </p:attrNameLst>
-                                      </p:cBhvr>
-                                      <p:to>
-                                        <p:strVal val="visible"/>
-                                      </p:to>
-                                    </p:set>
-                                    <p:animEffect filter="fade" transition="in">
-                                      <p:cBhvr>
-                                        <p:cTn dur="1000"/>
-                                        <p:tgtEl>
-                                          <p:spTgt spid="96"/>
-                                        </p:tgtEl>
-                                      </p:cBhvr>
-                                    </p:animEffect>
-                                  </p:childTnLst>
-                                </p:cTn>
-                              </p:par>
-                            </p:childTnLst>
-                          </p:cTn>
-                        </p:par>
-                      </p:childTnLst>
-                    </p:cTn>
-                  </p:par>
-                </p:childTnLst>
-              </p:cTn>
-              <p:prevCondLst>
-                <p:cond evt="onPrev">
-                  <p:tgtEl>
-                    <p:sldTgt/>
-                  </p:tgtEl>
-                </p:cond>
-              </p:prevCondLst>
-              <p:nextCondLst>
-                <p:cond evt="onNext">
-                  <p:tgtEl>
-                    <p:sldTgt/>
-                  </p:tgtEl>
-                </p:cond>
-              </p:nextCondLst>
-            </p:seq>
-          </p:childTnLst>
-        </p:cTn>
-      </p:par>
-    </p:tnLst>
-  </p:timing>
 </p:sld>
 </file>
 
@@ -14595,7 +12449,7 @@
   <p:cSld>
     <p:spTree>
       <p:nvGrpSpPr>
-        <p:cNvPr id="101" name="Shape 101"/>
+        <p:cNvPr id="102" name="Shape 102"/>
         <p:cNvGrpSpPr/>
         <p:nvPr/>
       </p:nvGrpSpPr>
@@ -14609,7 +12463,7 @@
       </p:grpSpPr>
       <p:sp>
         <p:nvSpPr>
-          <p:cNvPr id="102" name="Google Shape;102;p6"/>
+          <p:cNvPr id="103" name="Google Shape;103;p6"/>
           <p:cNvSpPr txBox="1"/>
           <p:nvPr>
             <p:ph type="title"/>
@@ -14657,7 +12511,7 @@
       </p:sp>
       <p:sp>
         <p:nvSpPr>
-          <p:cNvPr id="103" name="Google Shape;103;p6"/>
+          <p:cNvPr id="104" name="Google Shape;104;p6"/>
           <p:cNvSpPr txBox="1"/>
           <p:nvPr>
             <p:ph idx="1" type="body"/>
@@ -14705,7 +12559,7 @@
       </p:sp>
       <p:sp>
         <p:nvSpPr>
-          <p:cNvPr id="104" name="Google Shape;104;p6"/>
+          <p:cNvPr id="105" name="Google Shape;105;p6"/>
           <p:cNvSpPr txBox="1"/>
           <p:nvPr>
             <p:ph idx="1" type="body"/>
@@ -14753,7 +12607,7 @@
       </p:sp>
       <p:pic>
         <p:nvPicPr>
-          <p:cNvPr id="105" name="Google Shape;105;p6"/>
+          <p:cNvPr id="106" name="Google Shape;106;p6"/>
           <p:cNvPicPr preferRelativeResize="0"/>
           <p:nvPr/>
         </p:nvPicPr>
@@ -14783,195 +12637,6 @@
   <p:clrMapOvr>
     <a:masterClrMapping/>
   </p:clrMapOvr>
-  <p:timing>
-    <p:tnLst>
-      <p:par>
-        <p:cTn dur="indefinite" nodeType="tmRoot" restart="never">
-          <p:childTnLst>
-            <p:seq concurrent="1" nextAc="seek">
-              <p:cTn dur="indefinite" id="2" nodeType="mainSeq">
-                <p:childTnLst>
-                  <p:par>
-                    <p:cTn fill="hold">
-                      <p:stCondLst>
-                        <p:cond delay="indefinite"/>
-                      </p:stCondLst>
-                      <p:childTnLst>
-                        <p:par>
-                          <p:cTn fill="hold">
-                            <p:stCondLst>
-                              <p:cond delay="0"/>
-                            </p:stCondLst>
-                            <p:childTnLst>
-                              <p:par>
-                                <p:cTn fill="hold" nodeType="clickEffect" presetClass="entr" presetID="10" presetSubtype="0">
-                                  <p:stCondLst>
-                                    <p:cond delay="0"/>
-                                  </p:stCondLst>
-                                  <p:childTnLst>
-                                    <p:set>
-                                      <p:cBhvr>
-                                        <p:cTn dur="1" fill="hold">
-                                          <p:stCondLst>
-                                            <p:cond delay="0"/>
-                                          </p:stCondLst>
-                                        </p:cTn>
-                                        <p:tgtEl>
-                                          <p:spTgt spid="103"/>
-                                        </p:tgtEl>
-                                        <p:attrNameLst>
-                                          <p:attrName>style.visibility</p:attrName>
-                                        </p:attrNameLst>
-                                      </p:cBhvr>
-                                      <p:to>
-                                        <p:strVal val="visible"/>
-                                      </p:to>
-                                    </p:set>
-                                    <p:animEffect filter="fade" transition="in">
-                                      <p:cBhvr>
-                                        <p:cTn dur="1000"/>
-                                        <p:tgtEl>
-                                          <p:spTgt spid="103"/>
-                                        </p:tgtEl>
-                                      </p:cBhvr>
-                                    </p:animEffect>
-                                  </p:childTnLst>
-                                </p:cTn>
-                              </p:par>
-                            </p:childTnLst>
-                          </p:cTn>
-                        </p:par>
-                      </p:childTnLst>
-                    </p:cTn>
-                  </p:par>
-                  <p:par>
-                    <p:cTn fill="hold">
-                      <p:stCondLst>
-                        <p:cond delay="indefinite"/>
-                      </p:stCondLst>
-                      <p:childTnLst>
-                        <p:par>
-                          <p:cTn fill="hold">
-                            <p:stCondLst>
-                              <p:cond delay="0"/>
-                            </p:stCondLst>
-                            <p:childTnLst>
-                              <p:par>
-                                <p:cTn fill="hold" nodeType="clickEffect" presetClass="entr" presetID="10" presetSubtype="0">
-                                  <p:stCondLst>
-                                    <p:cond delay="0"/>
-                                  </p:stCondLst>
-                                  <p:childTnLst>
-                                    <p:set>
-                                      <p:cBhvr>
-                                        <p:cTn dur="1" fill="hold">
-                                          <p:stCondLst>
-                                            <p:cond delay="0"/>
-                                          </p:stCondLst>
-                                        </p:cTn>
-                                        <p:tgtEl>
-                                          <p:spTgt spid="105"/>
-                                        </p:tgtEl>
-                                        <p:attrNameLst>
-                                          <p:attrName>style.visibility</p:attrName>
-                                        </p:attrNameLst>
-                                      </p:cBhvr>
-                                      <p:to>
-                                        <p:strVal val="visible"/>
-                                      </p:to>
-                                    </p:set>
-                                    <p:animEffect filter="fade" transition="in">
-                                      <p:cBhvr>
-                                        <p:cTn dur="1000"/>
-                                        <p:tgtEl>
-                                          <p:spTgt spid="105"/>
-                                        </p:tgtEl>
-                                      </p:cBhvr>
-                                    </p:animEffect>
-                                  </p:childTnLst>
-                                </p:cTn>
-                              </p:par>
-                            </p:childTnLst>
-                          </p:cTn>
-                        </p:par>
-                      </p:childTnLst>
-                    </p:cTn>
-                  </p:par>
-                  <p:par>
-                    <p:cTn fill="hold">
-                      <p:stCondLst>
-                        <p:cond delay="indefinite"/>
-                      </p:stCondLst>
-                      <p:childTnLst>
-                        <p:par>
-                          <p:cTn fill="hold">
-                            <p:stCondLst>
-                              <p:cond delay="0"/>
-                            </p:stCondLst>
-                            <p:childTnLst>
-                              <p:par>
-                                <p:cTn fill="hold" nodeType="clickEffect" presetClass="entr" presetID="10" presetSubtype="0">
-                                  <p:stCondLst>
-                                    <p:cond delay="0"/>
-                                  </p:stCondLst>
-                                  <p:childTnLst>
-                                    <p:set>
-                                      <p:cBhvr>
-                                        <p:cTn dur="1" fill="hold">
-                                          <p:stCondLst>
-                                            <p:cond delay="0"/>
-                                          </p:stCondLst>
-                                        </p:cTn>
-                                        <p:tgtEl>
-                                          <p:spTgt spid="104"/>
-                                        </p:tgtEl>
-                                        <p:attrNameLst>
-                                          <p:attrName>style.visibility</p:attrName>
-                                        </p:attrNameLst>
-                                      </p:cBhvr>
-                                      <p:to>
-                                        <p:strVal val="visible"/>
-                                      </p:to>
-                                    </p:set>
-                                    <p:animEffect filter="fade" transition="in">
-                                      <p:cBhvr>
-                                        <p:cTn dur="1000"/>
-                                        <p:tgtEl>
-                                          <p:spTgt spid="104"/>
-                                        </p:tgtEl>
-                                      </p:cBhvr>
-                                    </p:animEffect>
-                                  </p:childTnLst>
-                                </p:cTn>
-                              </p:par>
-                            </p:childTnLst>
-                          </p:cTn>
-                        </p:par>
-                      </p:childTnLst>
-                    </p:cTn>
-                  </p:par>
-                </p:childTnLst>
-              </p:cTn>
-              <p:prevCondLst>
-                <p:cond evt="onPrev">
-                  <p:tgtEl>
-                    <p:sldTgt/>
-                  </p:tgtEl>
-                </p:cond>
-              </p:prevCondLst>
-              <p:nextCondLst>
-                <p:cond evt="onNext">
-                  <p:tgtEl>
-                    <p:sldTgt/>
-                  </p:tgtEl>
-                </p:cond>
-              </p:nextCondLst>
-            </p:seq>
-          </p:childTnLst>
-        </p:cTn>
-      </p:par>
-    </p:tnLst>
-  </p:timing>
 </p:sld>
 </file>
 
@@ -14980,7 +12645,7 @@
   <p:cSld>
     <p:spTree>
       <p:nvGrpSpPr>
-        <p:cNvPr id="109" name="Shape 109"/>
+        <p:cNvPr id="110" name="Shape 110"/>
         <p:cNvGrpSpPr/>
         <p:nvPr/>
       </p:nvGrpSpPr>
@@ -14994,291 +12659,7 @@
       </p:grpSpPr>
       <p:sp>
         <p:nvSpPr>
-          <p:cNvPr id="110" name="Google Shape;110;p7"/>
-          <p:cNvSpPr txBox="1"/>
-          <p:nvPr>
-            <p:ph type="title"/>
-          </p:nvPr>
-        </p:nvSpPr>
-        <p:spPr>
-          <a:xfrm>
-            <a:off x="311700" y="315925"/>
-            <a:ext cx="8520600" cy="831300"/>
-          </a:xfrm>
-          <a:prstGeom prst="rect">
-            <a:avLst/>
-          </a:prstGeom>
-          <a:noFill/>
-          <a:ln>
-            <a:noFill/>
-          </a:ln>
-        </p:spPr>
-        <p:txBody>
-          <a:bodyPr anchorCtr="0" anchor="b" bIns="91425" lIns="91425" spcFirstLastPara="1" rIns="91425" wrap="square" tIns="91425">
-            <a:spAutoFit/>
-          </a:bodyPr>
-          <a:lstStyle/>
-          <a:p>
-            <a:pPr indent="0" lvl="0" marL="0" rtl="0" algn="l">
-              <a:lnSpc>
-                <a:spcPct val="100000"/>
-              </a:lnSpc>
-              <a:spcBef>
-                <a:spcPts val="0"/>
-              </a:spcBef>
-              <a:spcAft>
-                <a:spcPts val="0"/>
-              </a:spcAft>
-              <a:buSzPts val="4200"/>
-              <a:buNone/>
-            </a:pPr>
-            <a:r>
-              <a:rPr lang="en"/>
-              <a:t>Derivative of a constant</a:t>
-            </a:r>
-            <a:endParaRPr/>
-          </a:p>
-        </p:txBody>
-      </p:sp>
-      <p:sp>
-        <p:nvSpPr>
-          <p:cNvPr id="111" name="Google Shape;111;p7"/>
-          <p:cNvSpPr txBox="1"/>
-          <p:nvPr>
-            <p:ph idx="1" type="body"/>
-          </p:nvPr>
-        </p:nvSpPr>
-        <p:spPr>
-          <a:xfrm>
-            <a:off x="311700" y="1225225"/>
-            <a:ext cx="3999900" cy="895800"/>
-          </a:xfrm>
-          <a:prstGeom prst="rect">
-            <a:avLst/>
-          </a:prstGeom>
-          <a:noFill/>
-          <a:ln>
-            <a:noFill/>
-          </a:ln>
-        </p:spPr>
-        <p:txBody>
-          <a:bodyPr anchorCtr="0" anchor="t" bIns="91425" lIns="91425" spcFirstLastPara="1" rIns="91425" wrap="square" tIns="91425">
-            <a:spAutoFit/>
-          </a:bodyPr>
-          <a:lstStyle/>
-          <a:p>
-            <a:pPr indent="0" lvl="0" marL="0" rtl="0" algn="l">
-              <a:lnSpc>
-                <a:spcPct val="115000"/>
-              </a:lnSpc>
-              <a:spcBef>
-                <a:spcPts val="0"/>
-              </a:spcBef>
-              <a:spcAft>
-                <a:spcPts val="1200"/>
-              </a:spcAft>
-              <a:buSzPts val="1400"/>
-              <a:buNone/>
-            </a:pPr>
-            <a:r>
-              <a:rPr lang="en"/>
-              <a:t>The constant function y = c has a slope of 0 everywhere, so the derivative dy/dx of the function y = c is 0.</a:t>
-            </a:r>
-            <a:endParaRPr/>
-          </a:p>
-        </p:txBody>
-      </p:sp>
-      <p:pic>
-        <p:nvPicPr>
-          <p:cNvPr id="112" name="Google Shape;112;p7"/>
-          <p:cNvPicPr preferRelativeResize="0"/>
-          <p:nvPr/>
-        </p:nvPicPr>
-        <p:blipFill rotWithShape="1">
-          <a:blip r:embed="rId3">
-            <a:alphaModFix/>
-          </a:blip>
-          <a:srcRect b="0" l="0" r="0" t="0"/>
-          <a:stretch/>
-        </p:blipFill>
-        <p:spPr>
-          <a:xfrm>
-            <a:off x="4464000" y="1299625"/>
-            <a:ext cx="4270529" cy="3691475"/>
-          </a:xfrm>
-          <a:prstGeom prst="rect">
-            <a:avLst/>
-          </a:prstGeom>
-          <a:noFill/>
-          <a:ln>
-            <a:noFill/>
-          </a:ln>
-        </p:spPr>
-      </p:pic>
-    </p:spTree>
-  </p:cSld>
-  <p:clrMapOvr>
-    <a:masterClrMapping/>
-  </p:clrMapOvr>
-  <p:timing>
-    <p:tnLst>
-      <p:par>
-        <p:cTn dur="indefinite" nodeType="tmRoot" restart="never">
-          <p:childTnLst>
-            <p:seq concurrent="1" nextAc="seek">
-              <p:cTn dur="indefinite" id="2" nodeType="mainSeq">
-                <p:childTnLst>
-                  <p:par>
-                    <p:cTn fill="hold">
-                      <p:stCondLst>
-                        <p:cond delay="indefinite"/>
-                      </p:stCondLst>
-                      <p:childTnLst>
-                        <p:par>
-                          <p:cTn fill="hold">
-                            <p:stCondLst>
-                              <p:cond delay="0"/>
-                            </p:stCondLst>
-                            <p:childTnLst>
-                              <p:par>
-                                <p:cTn fill="hold" nodeType="clickEffect" presetClass="entr" presetID="10" presetSubtype="0">
-                                  <p:stCondLst>
-                                    <p:cond delay="0"/>
-                                  </p:stCondLst>
-                                  <p:childTnLst>
-                                    <p:set>
-                                      <p:cBhvr>
-                                        <p:cTn dur="1" fill="hold">
-                                          <p:stCondLst>
-                                            <p:cond delay="0"/>
-                                          </p:stCondLst>
-                                        </p:cTn>
-                                        <p:tgtEl>
-                                          <p:spTgt spid="111"/>
-                                        </p:tgtEl>
-                                        <p:attrNameLst>
-                                          <p:attrName>style.visibility</p:attrName>
-                                        </p:attrNameLst>
-                                      </p:cBhvr>
-                                      <p:to>
-                                        <p:strVal val="visible"/>
-                                      </p:to>
-                                    </p:set>
-                                    <p:animEffect filter="fade" transition="in">
-                                      <p:cBhvr>
-                                        <p:cTn dur="1000"/>
-                                        <p:tgtEl>
-                                          <p:spTgt spid="111"/>
-                                        </p:tgtEl>
-                                      </p:cBhvr>
-                                    </p:animEffect>
-                                  </p:childTnLst>
-                                </p:cTn>
-                              </p:par>
-                            </p:childTnLst>
-                          </p:cTn>
-                        </p:par>
-                      </p:childTnLst>
-                    </p:cTn>
-                  </p:par>
-                  <p:par>
-                    <p:cTn fill="hold">
-                      <p:stCondLst>
-                        <p:cond delay="indefinite"/>
-                      </p:stCondLst>
-                      <p:childTnLst>
-                        <p:par>
-                          <p:cTn fill="hold">
-                            <p:stCondLst>
-                              <p:cond delay="0"/>
-                            </p:stCondLst>
-                            <p:childTnLst>
-                              <p:par>
-                                <p:cTn fill="hold" nodeType="clickEffect" presetClass="entr" presetID="10" presetSubtype="0">
-                                  <p:stCondLst>
-                                    <p:cond delay="0"/>
-                                  </p:stCondLst>
-                                  <p:childTnLst>
-                                    <p:set>
-                                      <p:cBhvr>
-                                        <p:cTn dur="1" fill="hold">
-                                          <p:stCondLst>
-                                            <p:cond delay="0"/>
-                                          </p:stCondLst>
-                                        </p:cTn>
-                                        <p:tgtEl>
-                                          <p:spTgt spid="112"/>
-                                        </p:tgtEl>
-                                        <p:attrNameLst>
-                                          <p:attrName>style.visibility</p:attrName>
-                                        </p:attrNameLst>
-                                      </p:cBhvr>
-                                      <p:to>
-                                        <p:strVal val="visible"/>
-                                      </p:to>
-                                    </p:set>
-                                    <p:animEffect filter="fade" transition="in">
-                                      <p:cBhvr>
-                                        <p:cTn dur="1000"/>
-                                        <p:tgtEl>
-                                          <p:spTgt spid="112"/>
-                                        </p:tgtEl>
-                                      </p:cBhvr>
-                                    </p:animEffect>
-                                  </p:childTnLst>
-                                </p:cTn>
-                              </p:par>
-                            </p:childTnLst>
-                          </p:cTn>
-                        </p:par>
-                      </p:childTnLst>
-                    </p:cTn>
-                  </p:par>
-                </p:childTnLst>
-              </p:cTn>
-              <p:prevCondLst>
-                <p:cond evt="onPrev">
-                  <p:tgtEl>
-                    <p:sldTgt/>
-                  </p:tgtEl>
-                </p:cond>
-              </p:prevCondLst>
-              <p:nextCondLst>
-                <p:cond evt="onNext">
-                  <p:tgtEl>
-                    <p:sldTgt/>
-                  </p:tgtEl>
-                </p:cond>
-              </p:nextCondLst>
-            </p:seq>
-          </p:childTnLst>
-        </p:cTn>
-      </p:par>
-    </p:tnLst>
-  </p:timing>
-</p:sld>
-</file>
-
-<file path=ppt/slides/slide8.xml><?xml version="1.0" encoding="utf-8"?>
-<p:sld xmlns:a="http://schemas.openxmlformats.org/drawingml/2006/main" xmlns:r="http://schemas.openxmlformats.org/officeDocument/2006/relationships" xmlns:mc="http://schemas.openxmlformats.org/markup-compatibility/2006" xmlns:mv="urn:schemas-microsoft-com:mac:vml" xmlns:p="http://schemas.openxmlformats.org/presentationml/2006/main" xmlns:c="http://schemas.openxmlformats.org/drawingml/2006/chart" xmlns:dgm="http://schemas.openxmlformats.org/drawingml/2006/diagram" xmlns:o="urn:schemas-microsoft-com:office:office" xmlns:v="urn:schemas-microsoft-com:vml" xmlns:pvml="urn:schemas-microsoft-com:office:powerpoint" xmlns:com="http://schemas.openxmlformats.org/drawingml/2006/compatibility" xmlns:p14="http://schemas.microsoft.com/office/powerpoint/2010/main" xmlns:p15="http://schemas.microsoft.com/office/powerpoint/2012/main" xmlns:ahyp="http://schemas.microsoft.com/office/drawing/2018/hyperlinkcolor">
-  <p:cSld>
-    <p:spTree>
-      <p:nvGrpSpPr>
-        <p:cNvPr id="116" name="Shape 116"/>
-        <p:cNvGrpSpPr/>
-        <p:nvPr/>
-      </p:nvGrpSpPr>
-      <p:grpSpPr>
-        <a:xfrm>
-          <a:off x="0" y="0"/>
-          <a:ext cx="0" cy="0"/>
-          <a:chOff x="0" y="0"/>
-          <a:chExt cx="0" cy="0"/>
-        </a:xfrm>
-      </p:grpSpPr>
-      <p:sp>
-        <p:nvSpPr>
-          <p:cNvPr id="117" name="Google Shape;117;p2"/>
+          <p:cNvPr id="111" name="Google Shape;111;g25850bf5d43_0_0"/>
           <p:cNvSpPr txBox="1"/>
           <p:nvPr>
             <p:ph type="title"/>
@@ -15318,7 +12699,7 @@
             </a:pPr>
             <a:r>
               <a:rPr lang="en"/>
-              <a:t>Taylor Expansions</a:t>
+              <a:t>Areas and Integrals</a:t>
             </a:r>
             <a:endParaRPr/>
           </a:p>
@@ -15332,12 +12713,12 @@
 </p:sld>
 </file>
 
-<file path=ppt/slides/slide9.xml><?xml version="1.0" encoding="utf-8"?>
+<file path=ppt/slides/slide8.xml><?xml version="1.0" encoding="utf-8"?>
 <p:sld xmlns:a="http://schemas.openxmlformats.org/drawingml/2006/main" xmlns:r="http://schemas.openxmlformats.org/officeDocument/2006/relationships" xmlns:mc="http://schemas.openxmlformats.org/markup-compatibility/2006" xmlns:mv="urn:schemas-microsoft-com:mac:vml" xmlns:p="http://schemas.openxmlformats.org/presentationml/2006/main" xmlns:c="http://schemas.openxmlformats.org/drawingml/2006/chart" xmlns:dgm="http://schemas.openxmlformats.org/drawingml/2006/diagram" xmlns:o="urn:schemas-microsoft-com:office:office" xmlns:v="urn:schemas-microsoft-com:vml" xmlns:pvml="urn:schemas-microsoft-com:office:powerpoint" xmlns:com="http://schemas.openxmlformats.org/drawingml/2006/compatibility" xmlns:p14="http://schemas.microsoft.com/office/powerpoint/2010/main" xmlns:p15="http://schemas.microsoft.com/office/powerpoint/2012/main" xmlns:ahyp="http://schemas.microsoft.com/office/drawing/2018/hyperlinkcolor">
   <p:cSld>
     <p:spTree>
       <p:nvGrpSpPr>
-        <p:cNvPr id="121" name="Shape 121"/>
+        <p:cNvPr id="115" name="Shape 115"/>
         <p:cNvGrpSpPr/>
         <p:nvPr/>
       </p:nvGrpSpPr>
@@ -15351,7 +12732,7 @@
       </p:grpSpPr>
       <p:sp>
         <p:nvSpPr>
-          <p:cNvPr id="122" name="Google Shape;122;p8"/>
+          <p:cNvPr id="116" name="Google Shape;116;g25850bf5d43_0_44"/>
           <p:cNvSpPr txBox="1"/>
           <p:nvPr>
             <p:ph type="title"/>
@@ -15365,10 +12746,6 @@
           <a:prstGeom prst="rect">
             <a:avLst/>
           </a:prstGeom>
-          <a:noFill/>
-          <a:ln>
-            <a:noFill/>
-          </a:ln>
         </p:spPr>
         <p:txBody>
           <a:bodyPr anchorCtr="0" anchor="b" bIns="91425" lIns="91425" spcFirstLastPara="1" rIns="91425" wrap="square" tIns="91425">
@@ -15377,21 +12754,17 @@
           <a:lstStyle/>
           <a:p>
             <a:pPr indent="0" lvl="0" marL="0" rtl="0" algn="l">
-              <a:lnSpc>
-                <a:spcPct val="100000"/>
-              </a:lnSpc>
-              <a:spcBef>
-                <a:spcPts val="0"/>
-              </a:spcBef>
-              <a:spcAft>
-                <a:spcPts val="0"/>
-              </a:spcAft>
-              <a:buSzPts val="4200"/>
+              <a:spcBef>
+                <a:spcPts val="0"/>
+              </a:spcBef>
+              <a:spcAft>
+                <a:spcPts val="0"/>
+              </a:spcAft>
               <a:buNone/>
             </a:pPr>
             <a:r>
               <a:rPr lang="en"/>
-              <a:t>Polynomials</a:t>
+              <a:t>Areas Underneath Curves</a:t>
             </a:r>
             <a:endParaRPr/>
           </a:p>
@@ -15399,7 +12772,7 @@
       </p:sp>
       <p:sp>
         <p:nvSpPr>
-          <p:cNvPr id="123" name="Google Shape;123;p8"/>
+          <p:cNvPr id="117" name="Google Shape;117;g25850bf5d43_0_44"/>
           <p:cNvSpPr txBox="1"/>
           <p:nvPr>
             <p:ph idx="1" type="body"/>
@@ -15408,7 +12781,225 @@
         <p:spPr>
           <a:xfrm>
             <a:off x="311700" y="1225225"/>
-            <a:ext cx="8520600" cy="400200"/>
+            <a:ext cx="3999900" cy="648000"/>
+          </a:xfrm>
+          <a:prstGeom prst="rect">
+            <a:avLst/>
+          </a:prstGeom>
+        </p:spPr>
+        <p:txBody>
+          <a:bodyPr anchorCtr="0" anchor="t" bIns="91425" lIns="91425" spcFirstLastPara="1" rIns="91425" wrap="square" tIns="91425">
+            <a:spAutoFit/>
+          </a:bodyPr>
+          <a:lstStyle/>
+          <a:p>
+            <a:pPr indent="0" lvl="0" marL="0" rtl="0" algn="l">
+              <a:spcBef>
+                <a:spcPts val="0"/>
+              </a:spcBef>
+              <a:spcAft>
+                <a:spcPts val="0"/>
+              </a:spcAft>
+              <a:buNone/>
+            </a:pPr>
+            <a:r>
+              <a:rPr lang="en"/>
+              <a:t>The area “underneath” a curve is the area above the x-axis and below the curve.</a:t>
+            </a:r>
+            <a:endParaRPr/>
+          </a:p>
+        </p:txBody>
+      </p:sp>
+      <p:sp>
+        <p:nvSpPr>
+          <p:cNvPr id="118" name="Google Shape;118;g25850bf5d43_0_44"/>
+          <p:cNvSpPr txBox="1"/>
+          <p:nvPr>
+            <p:ph idx="1" type="body"/>
+          </p:nvPr>
+        </p:nvSpPr>
+        <p:spPr>
+          <a:xfrm>
+            <a:off x="311700" y="1873225"/>
+            <a:ext cx="3999900" cy="648000"/>
+          </a:xfrm>
+          <a:prstGeom prst="rect">
+            <a:avLst/>
+          </a:prstGeom>
+        </p:spPr>
+        <p:txBody>
+          <a:bodyPr anchorCtr="0" anchor="t" bIns="91425" lIns="91425" spcFirstLastPara="1" rIns="91425" wrap="square" tIns="91425">
+            <a:spAutoFit/>
+          </a:bodyPr>
+          <a:lstStyle/>
+          <a:p>
+            <a:pPr indent="0" lvl="0" marL="0" rtl="0" algn="l">
+              <a:spcBef>
+                <a:spcPts val="0"/>
+              </a:spcBef>
+              <a:spcAft>
+                <a:spcPts val="0"/>
+              </a:spcAft>
+              <a:buNone/>
+            </a:pPr>
+            <a:r>
+              <a:rPr lang="en"/>
+              <a:t>If the curve is above the x-axis, this area is positive.</a:t>
+            </a:r>
+            <a:endParaRPr/>
+          </a:p>
+        </p:txBody>
+      </p:sp>
+      <p:sp>
+        <p:nvSpPr>
+          <p:cNvPr id="119" name="Google Shape;119;g25850bf5d43_0_44"/>
+          <p:cNvSpPr txBox="1"/>
+          <p:nvPr>
+            <p:ph idx="1" type="body"/>
+          </p:nvPr>
+        </p:nvSpPr>
+        <p:spPr>
+          <a:xfrm>
+            <a:off x="311700" y="2521225"/>
+            <a:ext cx="3999900" cy="648000"/>
+          </a:xfrm>
+          <a:prstGeom prst="rect">
+            <a:avLst/>
+          </a:prstGeom>
+        </p:spPr>
+        <p:txBody>
+          <a:bodyPr anchorCtr="0" anchor="t" bIns="91425" lIns="91425" spcFirstLastPara="1" rIns="91425" wrap="square" tIns="91425">
+            <a:spAutoFit/>
+          </a:bodyPr>
+          <a:lstStyle/>
+          <a:p>
+            <a:pPr indent="0" lvl="0" marL="0" rtl="0" algn="l">
+              <a:spcBef>
+                <a:spcPts val="0"/>
+              </a:spcBef>
+              <a:spcAft>
+                <a:spcPts val="0"/>
+              </a:spcAft>
+              <a:buNone/>
+            </a:pPr>
+            <a:r>
+              <a:rPr lang="en"/>
+              <a:t>If the curve is below the x-axis, this area is negative.</a:t>
+            </a:r>
+            <a:endParaRPr/>
+          </a:p>
+        </p:txBody>
+      </p:sp>
+      <p:sp>
+        <p:nvSpPr>
+          <p:cNvPr id="120" name="Google Shape;120;g25850bf5d43_0_44"/>
+          <p:cNvSpPr txBox="1"/>
+          <p:nvPr>
+            <p:ph idx="1" type="body"/>
+          </p:nvPr>
+        </p:nvSpPr>
+        <p:spPr>
+          <a:xfrm>
+            <a:off x="311700" y="3169225"/>
+            <a:ext cx="3999900" cy="895800"/>
+          </a:xfrm>
+          <a:prstGeom prst="rect">
+            <a:avLst/>
+          </a:prstGeom>
+        </p:spPr>
+        <p:txBody>
+          <a:bodyPr anchorCtr="0" anchor="t" bIns="91425" lIns="91425" spcFirstLastPara="1" rIns="91425" wrap="square" tIns="91425">
+            <a:spAutoFit/>
+          </a:bodyPr>
+          <a:lstStyle/>
+          <a:p>
+            <a:pPr indent="0" lvl="0" marL="0" rtl="0" algn="l">
+              <a:spcBef>
+                <a:spcPts val="0"/>
+              </a:spcBef>
+              <a:spcAft>
+                <a:spcPts val="0"/>
+              </a:spcAft>
+              <a:buNone/>
+            </a:pPr>
+            <a:r>
+              <a:rPr lang="en"/>
+              <a:t>We can define an integral from x=a to x=b to be the area underneath the curve on the interval [a, b].</a:t>
+            </a:r>
+            <a:endParaRPr/>
+          </a:p>
+        </p:txBody>
+      </p:sp>
+      <p:sp>
+        <p:nvSpPr>
+          <p:cNvPr id="121" name="Google Shape;121;g25850bf5d43_0_44"/>
+          <p:cNvSpPr txBox="1"/>
+          <p:nvPr>
+            <p:ph idx="1" type="body"/>
+          </p:nvPr>
+        </p:nvSpPr>
+        <p:spPr>
+          <a:xfrm>
+            <a:off x="311700" y="4065025"/>
+            <a:ext cx="3999900" cy="648000"/>
+          </a:xfrm>
+          <a:prstGeom prst="rect">
+            <a:avLst/>
+          </a:prstGeom>
+        </p:spPr>
+        <p:txBody>
+          <a:bodyPr anchorCtr="0" anchor="t" bIns="91425" lIns="91425" spcFirstLastPara="1" rIns="91425" wrap="square" tIns="91425">
+            <a:spAutoFit/>
+          </a:bodyPr>
+          <a:lstStyle/>
+          <a:p>
+            <a:pPr indent="0" lvl="0" marL="0" rtl="0" algn="l">
+              <a:spcBef>
+                <a:spcPts val="0"/>
+              </a:spcBef>
+              <a:spcAft>
+                <a:spcPts val="0"/>
+              </a:spcAft>
+              <a:buNone/>
+            </a:pPr>
+            <a:r>
+              <a:rPr lang="en"/>
+              <a:t>We denote the integral of a function f(x) from x=a to x=b as ∫</a:t>
+            </a:r>
+            <a:r>
+              <a:rPr baseline="-25000" lang="en"/>
+              <a:t>a</a:t>
+            </a:r>
+            <a:r>
+              <a:rPr baseline="30000" lang="en"/>
+              <a:t>b</a:t>
+            </a:r>
+            <a:r>
+              <a:rPr lang="en"/>
+              <a:t> f(x)dx.</a:t>
+            </a:r>
+            <a:endParaRPr/>
+          </a:p>
+        </p:txBody>
+      </p:sp>
+      <p:pic>
+        <p:nvPicPr>
+          <p:cNvPr id="122" name="Google Shape;122;g25850bf5d43_0_44"/>
+          <p:cNvPicPr preferRelativeResize="0"/>
+          <p:nvPr/>
+        </p:nvPicPr>
+        <p:blipFill>
+          <a:blip r:embed="rId3">
+            <a:alphaModFix/>
+          </a:blip>
+          <a:stretch>
+            <a:fillRect/>
+          </a:stretch>
+        </p:blipFill>
+        <p:spPr>
+          <a:xfrm>
+            <a:off x="4464000" y="1089700"/>
+            <a:ext cx="4433933" cy="3691475"/>
           </a:xfrm>
           <a:prstGeom prst="rect">
             <a:avLst/>
@@ -15418,6 +13009,89 @@
             <a:noFill/>
           </a:ln>
         </p:spPr>
+      </p:pic>
+    </p:spTree>
+  </p:cSld>
+  <p:clrMapOvr>
+    <a:masterClrMapping/>
+  </p:clrMapOvr>
+</p:sld>
+</file>
+
+<file path=ppt/slides/slide9.xml><?xml version="1.0" encoding="utf-8"?>
+<p:sld xmlns:a="http://schemas.openxmlformats.org/drawingml/2006/main" xmlns:r="http://schemas.openxmlformats.org/officeDocument/2006/relationships" xmlns:mc="http://schemas.openxmlformats.org/markup-compatibility/2006" xmlns:mv="urn:schemas-microsoft-com:mac:vml" xmlns:p="http://schemas.openxmlformats.org/presentationml/2006/main" xmlns:c="http://schemas.openxmlformats.org/drawingml/2006/chart" xmlns:dgm="http://schemas.openxmlformats.org/drawingml/2006/diagram" xmlns:o="urn:schemas-microsoft-com:office:office" xmlns:v="urn:schemas-microsoft-com:vml" xmlns:pvml="urn:schemas-microsoft-com:office:powerpoint" xmlns:com="http://schemas.openxmlformats.org/drawingml/2006/compatibility" xmlns:p14="http://schemas.microsoft.com/office/powerpoint/2010/main" xmlns:p15="http://schemas.microsoft.com/office/powerpoint/2012/main" xmlns:ahyp="http://schemas.microsoft.com/office/drawing/2018/hyperlinkcolor">
+  <p:cSld>
+    <p:spTree>
+      <p:nvGrpSpPr>
+        <p:cNvPr id="126" name="Shape 126"/>
+        <p:cNvGrpSpPr/>
+        <p:nvPr/>
+      </p:nvGrpSpPr>
+      <p:grpSpPr>
+        <a:xfrm>
+          <a:off x="0" y="0"/>
+          <a:ext cx="0" cy="0"/>
+          <a:chOff x="0" y="0"/>
+          <a:chExt cx="0" cy="0"/>
+        </a:xfrm>
+      </p:grpSpPr>
+      <p:sp>
+        <p:nvSpPr>
+          <p:cNvPr id="127" name="Google Shape;127;g25850bf5d43_0_64"/>
+          <p:cNvSpPr txBox="1"/>
+          <p:nvPr>
+            <p:ph type="title"/>
+          </p:nvPr>
+        </p:nvSpPr>
+        <p:spPr>
+          <a:xfrm>
+            <a:off x="311700" y="315925"/>
+            <a:ext cx="8520600" cy="831300"/>
+          </a:xfrm>
+          <a:prstGeom prst="rect">
+            <a:avLst/>
+          </a:prstGeom>
+        </p:spPr>
+        <p:txBody>
+          <a:bodyPr anchorCtr="0" anchor="b" bIns="91425" lIns="91425" spcFirstLastPara="1" rIns="91425" wrap="square" tIns="91425">
+            <a:spAutoFit/>
+          </a:bodyPr>
+          <a:lstStyle/>
+          <a:p>
+            <a:pPr indent="0" lvl="0" marL="0" rtl="0" algn="l">
+              <a:spcBef>
+                <a:spcPts val="0"/>
+              </a:spcBef>
+              <a:spcAft>
+                <a:spcPts val="0"/>
+              </a:spcAft>
+              <a:buNone/>
+            </a:pPr>
+            <a:r>
+              <a:rPr lang="en"/>
+              <a:t>Riemann Summation</a:t>
+            </a:r>
+            <a:endParaRPr/>
+          </a:p>
+        </p:txBody>
+      </p:sp>
+      <p:sp>
+        <p:nvSpPr>
+          <p:cNvPr id="128" name="Google Shape;128;g25850bf5d43_0_64"/>
+          <p:cNvSpPr txBox="1"/>
+          <p:nvPr>
+            <p:ph idx="1" type="body"/>
+          </p:nvPr>
+        </p:nvSpPr>
+        <p:spPr>
+          <a:xfrm>
+            <a:off x="311700" y="1225225"/>
+            <a:ext cx="3999900" cy="648000"/>
+          </a:xfrm>
+          <a:prstGeom prst="rect">
+            <a:avLst/>
+          </a:prstGeom>
+        </p:spPr>
         <p:txBody>
           <a:bodyPr anchorCtr="0" anchor="t" bIns="91425" lIns="91425" spcFirstLastPara="1" rIns="91425" wrap="square" tIns="91425">
             <a:spAutoFit/>
@@ -15425,45 +13099,17 @@
           <a:lstStyle/>
           <a:p>
             <a:pPr indent="0" lvl="0" marL="0" rtl="0" algn="l">
-              <a:lnSpc>
-                <a:spcPct val="115000"/>
-              </a:lnSpc>
-              <a:spcBef>
-                <a:spcPts val="0"/>
-              </a:spcBef>
-              <a:spcAft>
-                <a:spcPts val="1200"/>
-              </a:spcAft>
-              <a:buSzPts val="1400"/>
+              <a:spcBef>
+                <a:spcPts val="0"/>
+              </a:spcBef>
+              <a:spcAft>
+                <a:spcPts val="0"/>
+              </a:spcAft>
               <a:buNone/>
             </a:pPr>
             <a:r>
               <a:rPr lang="en"/>
-              <a:t>A polynomial p(x) is the sum of terms c</a:t>
-            </a:r>
-            <a:r>
-              <a:rPr baseline="-25000" lang="en"/>
-              <a:t>n</a:t>
-            </a:r>
-            <a:r>
-              <a:rPr lang="en"/>
-              <a:t>x</a:t>
-            </a:r>
-            <a:r>
-              <a:rPr baseline="30000" lang="en"/>
-              <a:t>n</a:t>
-            </a:r>
-            <a:r>
-              <a:rPr lang="en"/>
-              <a:t> where c</a:t>
-            </a:r>
-            <a:r>
-              <a:rPr baseline="-25000" lang="en"/>
-              <a:t>n</a:t>
-            </a:r>
-            <a:r>
-              <a:rPr lang="en"/>
-              <a:t> is some constant and n is a non-negative integer.</a:t>
+              <a:t>We can approximate the area under a curve using rectangles.</a:t>
             </a:r>
             <a:endParaRPr/>
           </a:p>
@@ -15471,7 +13117,7 @@
       </p:sp>
       <p:sp>
         <p:nvSpPr>
-          <p:cNvPr id="124" name="Google Shape;124;p8"/>
+          <p:cNvPr id="129" name="Google Shape;129;g25850bf5d43_0_64"/>
           <p:cNvSpPr txBox="1"/>
           <p:nvPr>
             <p:ph idx="1" type="body"/>
@@ -15479,8 +13125,142 @@
         </p:nvSpPr>
         <p:spPr>
           <a:xfrm>
-            <a:off x="311700" y="1625425"/>
-            <a:ext cx="8520600" cy="400200"/>
+            <a:off x="311700" y="1873225"/>
+            <a:ext cx="3999900" cy="895800"/>
+          </a:xfrm>
+          <a:prstGeom prst="rect">
+            <a:avLst/>
+          </a:prstGeom>
+        </p:spPr>
+        <p:txBody>
+          <a:bodyPr anchorCtr="0" anchor="t" bIns="91425" lIns="91425" spcFirstLastPara="1" rIns="91425" wrap="square" tIns="91425">
+            <a:spAutoFit/>
+          </a:bodyPr>
+          <a:lstStyle/>
+          <a:p>
+            <a:pPr indent="0" lvl="0" marL="0" rtl="0" algn="l">
+              <a:spcBef>
+                <a:spcPts val="0"/>
+              </a:spcBef>
+              <a:spcAft>
+                <a:spcPts val="0"/>
+              </a:spcAft>
+              <a:buNone/>
+            </a:pPr>
+            <a:r>
+              <a:rPr lang="en"/>
+              <a:t>Line up a bunch of rectangles side-by-side. Make the height of the rectangle centered at x to be f(x).</a:t>
+            </a:r>
+            <a:endParaRPr/>
+          </a:p>
+        </p:txBody>
+      </p:sp>
+      <p:sp>
+        <p:nvSpPr>
+          <p:cNvPr id="130" name="Google Shape;130;g25850bf5d43_0_64"/>
+          <p:cNvSpPr txBox="1"/>
+          <p:nvPr>
+            <p:ph idx="1" type="body"/>
+          </p:nvPr>
+        </p:nvSpPr>
+        <p:spPr>
+          <a:xfrm>
+            <a:off x="311700" y="2769025"/>
+            <a:ext cx="3999900" cy="648000"/>
+          </a:xfrm>
+          <a:prstGeom prst="rect">
+            <a:avLst/>
+          </a:prstGeom>
+        </p:spPr>
+        <p:txBody>
+          <a:bodyPr anchorCtr="0" anchor="t" bIns="91425" lIns="91425" spcFirstLastPara="1" rIns="91425" wrap="square" tIns="91425">
+            <a:spAutoFit/>
+          </a:bodyPr>
+          <a:lstStyle/>
+          <a:p>
+            <a:pPr indent="0" lvl="0" marL="0" rtl="0" algn="l">
+              <a:spcBef>
+                <a:spcPts val="0"/>
+              </a:spcBef>
+              <a:spcAft>
+                <a:spcPts val="0"/>
+              </a:spcAft>
+              <a:buNone/>
+            </a:pPr>
+            <a:r>
+              <a:rPr lang="en"/>
+              <a:t>The thinner we make our rectangles, the better this approximation becomes.</a:t>
+            </a:r>
+            <a:endParaRPr/>
+          </a:p>
+        </p:txBody>
+      </p:sp>
+      <p:sp>
+        <p:nvSpPr>
+          <p:cNvPr id="131" name="Google Shape;131;g25850bf5d43_0_64"/>
+          <p:cNvSpPr txBox="1"/>
+          <p:nvPr>
+            <p:ph idx="1" type="body"/>
+          </p:nvPr>
+        </p:nvSpPr>
+        <p:spPr>
+          <a:xfrm>
+            <a:off x="311700" y="3417025"/>
+            <a:ext cx="3999900" cy="895800"/>
+          </a:xfrm>
+          <a:prstGeom prst="rect">
+            <a:avLst/>
+          </a:prstGeom>
+        </p:spPr>
+        <p:txBody>
+          <a:bodyPr anchorCtr="0" anchor="t" bIns="91425" lIns="91425" spcFirstLastPara="1" rIns="91425" wrap="square" tIns="91425">
+            <a:spAutoFit/>
+          </a:bodyPr>
+          <a:lstStyle/>
+          <a:p>
+            <a:pPr indent="0" lvl="0" marL="0" rtl="0" algn="l">
+              <a:spcBef>
+                <a:spcPts val="0"/>
+              </a:spcBef>
+              <a:spcAft>
+                <a:spcPts val="0"/>
+              </a:spcAft>
+              <a:buNone/>
+            </a:pPr>
+            <a:r>
+              <a:rPr lang="en"/>
+              <a:t>Taking the limit as the width of the </a:t>
+            </a:r>
+            <a:r>
+              <a:rPr lang="en"/>
+              <a:t>rectangles</a:t>
+            </a:r>
+            <a:r>
+              <a:rPr lang="en"/>
+              <a:t> go to zero gives the area exactly. This is one way to define an integral.</a:t>
+            </a:r>
+            <a:endParaRPr/>
+          </a:p>
+        </p:txBody>
+      </p:sp>
+      <p:pic>
+        <p:nvPicPr>
+          <p:cNvPr id="132" name="Google Shape;132;g25850bf5d43_0_64"/>
+          <p:cNvPicPr preferRelativeResize="0"/>
+          <p:nvPr/>
+        </p:nvPicPr>
+        <p:blipFill>
+          <a:blip r:embed="rId3">
+            <a:alphaModFix/>
+          </a:blip>
+          <a:stretch>
+            <a:fillRect/>
+          </a:stretch>
+        </p:blipFill>
+        <p:spPr>
+          <a:xfrm>
+            <a:off x="4671126" y="726026"/>
+            <a:ext cx="3563850" cy="4036425"/>
           </a:xfrm>
           <a:prstGeom prst="rect">
             <a:avLst/>
@@ -15490,222 +13270,12 @@
             <a:noFill/>
           </a:ln>
         </p:spPr>
-        <p:txBody>
-          <a:bodyPr anchorCtr="0" anchor="t" bIns="91425" lIns="91425" spcFirstLastPara="1" rIns="91425" wrap="square" tIns="91425">
-            <a:spAutoFit/>
-          </a:bodyPr>
-          <a:lstStyle/>
-          <a:p>
-            <a:pPr indent="0" lvl="0" marL="0" rtl="0" algn="l">
-              <a:lnSpc>
-                <a:spcPct val="115000"/>
-              </a:lnSpc>
-              <a:spcBef>
-                <a:spcPts val="0"/>
-              </a:spcBef>
-              <a:spcAft>
-                <a:spcPts val="1200"/>
-              </a:spcAft>
-              <a:buSzPts val="1400"/>
-              <a:buNone/>
-            </a:pPr>
-            <a:r>
-              <a:rPr lang="en"/>
-              <a:t>In general, we can write a polynomial as the expression p(x) = c</a:t>
-            </a:r>
-            <a:r>
-              <a:rPr baseline="-25000" lang="en"/>
-              <a:t>0</a:t>
-            </a:r>
-            <a:r>
-              <a:rPr lang="en"/>
-              <a:t> + c</a:t>
-            </a:r>
-            <a:r>
-              <a:rPr baseline="-25000" lang="en"/>
-              <a:t>1</a:t>
-            </a:r>
-            <a:r>
-              <a:rPr lang="en"/>
-              <a:t>x  + c</a:t>
-            </a:r>
-            <a:r>
-              <a:rPr baseline="-25000" lang="en"/>
-              <a:t>2</a:t>
-            </a:r>
-            <a:r>
-              <a:rPr lang="en"/>
-              <a:t>x</a:t>
-            </a:r>
-            <a:r>
-              <a:rPr baseline="30000" lang="en"/>
-              <a:t>2</a:t>
-            </a:r>
-            <a:r>
-              <a:rPr lang="en"/>
-              <a:t> + . . . + c</a:t>
-            </a:r>
-            <a:r>
-              <a:rPr baseline="-25000" lang="en"/>
-              <a:t>n</a:t>
-            </a:r>
-            <a:r>
-              <a:rPr lang="en"/>
-              <a:t>x</a:t>
-            </a:r>
-            <a:r>
-              <a:rPr baseline="30000" lang="en"/>
-              <a:t>n</a:t>
-            </a:r>
-            <a:r>
-              <a:rPr lang="en"/>
-              <a:t>.</a:t>
-            </a:r>
-            <a:endParaRPr/>
-          </a:p>
-        </p:txBody>
-      </p:sp>
+      </p:pic>
     </p:spTree>
   </p:cSld>
   <p:clrMapOvr>
     <a:masterClrMapping/>
   </p:clrMapOvr>
-  <p:timing>
-    <p:tnLst>
-      <p:par>
-        <p:cTn dur="indefinite" nodeType="tmRoot" restart="never">
-          <p:childTnLst>
-            <p:seq concurrent="1" nextAc="seek">
-              <p:cTn dur="indefinite" id="2" nodeType="mainSeq">
-                <p:childTnLst>
-                  <p:par>
-                    <p:cTn fill="hold">
-                      <p:stCondLst>
-                        <p:cond delay="indefinite"/>
-                      </p:stCondLst>
-                      <p:childTnLst>
-                        <p:par>
-                          <p:cTn fill="hold">
-                            <p:stCondLst>
-                              <p:cond delay="0"/>
-                            </p:stCondLst>
-                            <p:childTnLst>
-                              <p:par>
-                                <p:cTn fill="hold" nodeType="clickEffect" presetClass="entr" presetID="10" presetSubtype="0">
-                                  <p:stCondLst>
-                                    <p:cond delay="0"/>
-                                  </p:stCondLst>
-                                  <p:childTnLst>
-                                    <p:set>
-                                      <p:cBhvr>
-                                        <p:cTn dur="1" fill="hold">
-                                          <p:stCondLst>
-                                            <p:cond delay="0"/>
-                                          </p:stCondLst>
-                                        </p:cTn>
-                                        <p:tgtEl>
-                                          <p:spTgt spid="123"/>
-                                        </p:tgtEl>
-                                        <p:attrNameLst>
-                                          <p:attrName>style.visibility</p:attrName>
-                                        </p:attrNameLst>
-                                      </p:cBhvr>
-                                      <p:to>
-                                        <p:strVal val="visible"/>
-                                      </p:to>
-                                    </p:set>
-                                    <p:animEffect filter="fade" transition="in">
-                                      <p:cBhvr>
-                                        <p:cTn dur="1000"/>
-                                        <p:tgtEl>
-                                          <p:spTgt spid="123"/>
-                                        </p:tgtEl>
-                                      </p:cBhvr>
-                                    </p:animEffect>
-                                  </p:childTnLst>
-                                </p:cTn>
-                              </p:par>
-                            </p:childTnLst>
-                          </p:cTn>
-                        </p:par>
-                      </p:childTnLst>
-                    </p:cTn>
-                  </p:par>
-                  <p:par>
-                    <p:cTn fill="hold">
-                      <p:stCondLst>
-                        <p:cond delay="indefinite"/>
-                      </p:stCondLst>
-                      <p:childTnLst>
-                        <p:par>
-                          <p:cTn fill="hold">
-                            <p:stCondLst>
-                              <p:cond delay="0"/>
-                            </p:stCondLst>
-                            <p:childTnLst>
-                              <p:par>
-                                <p:cTn fill="hold" nodeType="clickEffect" presetClass="entr" presetID="10" presetSubtype="0">
-                                  <p:stCondLst>
-                                    <p:cond delay="0"/>
-                                  </p:stCondLst>
-                                  <p:childTnLst>
-                                    <p:set>
-                                      <p:cBhvr>
-                                        <p:cTn dur="1" fill="hold">
-                                          <p:stCondLst>
-                                            <p:cond delay="0"/>
-                                          </p:stCondLst>
-                                        </p:cTn>
-                                        <p:tgtEl>
-                                          <p:spTgt spid="124"/>
-                                        </p:tgtEl>
-                                        <p:attrNameLst>
-                                          <p:attrName>style.visibility</p:attrName>
-                                        </p:attrNameLst>
-                                      </p:cBhvr>
-                                      <p:to>
-                                        <p:strVal val="visible"/>
-                                      </p:to>
-                                    </p:set>
-                                    <p:animEffect filter="fade" transition="in">
-                                      <p:cBhvr>
-                                        <p:cTn dur="1000"/>
-                                        <p:tgtEl>
-                                          <p:spTgt spid="124"/>
-                                        </p:tgtEl>
-                                      </p:cBhvr>
-                                    </p:animEffect>
-                                  </p:childTnLst>
-                                </p:cTn>
-                              </p:par>
-                            </p:childTnLst>
-                          </p:cTn>
-                        </p:par>
-                      </p:childTnLst>
-                    </p:cTn>
-                  </p:par>
-                </p:childTnLst>
-              </p:cTn>
-              <p:prevCondLst>
-                <p:cond evt="onPrev">
-                  <p:tgtEl>
-                    <p:sldTgt/>
-                  </p:tgtEl>
-                </p:cond>
-              </p:prevCondLst>
-              <p:nextCondLst>
-                <p:cond evt="onNext">
-                  <p:tgtEl>
-                    <p:sldTgt/>
-                  </p:tgtEl>
-                </p:cond>
-              </p:nextCondLst>
-            </p:seq>
-          </p:childTnLst>
-        </p:cTn>
-      </p:par>
-    </p:tnLst>
-  </p:timing>
 </p:sld>
 </file>
 
